--- a/imagenesrepresentativas.pptx
+++ b/imagenesrepresentativas.pptx
@@ -6,8 +6,9 @@
   </p:sldMasterIdLst>
   <p:sldIdLst>
     <p:sldId id="256" r:id="rId2"/>
-    <p:sldId id="257" r:id="rId3"/>
-    <p:sldId id="258" r:id="rId4"/>
+    <p:sldId id="259" r:id="rId3"/>
+    <p:sldId id="260" r:id="rId4"/>
+    <p:sldId id="261" r:id="rId5"/>
   </p:sldIdLst>
   <p:sldSz cx="12192000" cy="6858000"/>
   <p:notesSz cx="6858000" cy="9144000"/>
@@ -3399,7 +3400,7 @@
         </p:blipFill>
         <p:spPr bwMode="auto">
           <a:xfrm>
-            <a:off x="4099261" y="5043840"/>
+            <a:off x="4069359" y="5472707"/>
             <a:ext cx="6110287" cy="159026"/>
           </a:xfrm>
           <a:prstGeom prst="rect">
@@ -3588,7 +3589,7 @@
         <p:spPr bwMode="auto">
           <a:xfrm>
             <a:off x="10209548" y="2120357"/>
-            <a:ext cx="1858024" cy="1537866"/>
+            <a:ext cx="1812930" cy="1537866"/>
           </a:xfrm>
           <a:prstGeom prst="rect">
             <a:avLst/>
@@ -3666,8 +3667,8 @@
         </p:nvSpPr>
         <p:spPr>
           <a:xfrm>
-            <a:off x="124428" y="2706624"/>
-            <a:ext cx="1408176" cy="369332"/>
+            <a:off x="124428" y="2614002"/>
+            <a:ext cx="1408176" cy="646331"/>
           </a:xfrm>
           <a:prstGeom prst="rect">
             <a:avLst/>
@@ -3683,7 +3684,394 @@
             <a:pPr algn="ctr"/>
             <a:r>
               <a:rPr lang="en-US" dirty="0"/>
-              <a:t>Unlabeled</a:t>
+              <a:t>With Unlabeled</a:t>
+            </a:r>
+          </a:p>
+        </p:txBody>
+      </p:sp>
+      <p:sp>
+        <p:nvSpPr>
+          <p:cNvPr id="10" name="TextBox 9">
+            <a:extLst>
+              <a:ext uri="{FF2B5EF4-FFF2-40B4-BE49-F238E27FC236}">
+                <a16:creationId xmlns:a16="http://schemas.microsoft.com/office/drawing/2014/main" id="{B4FCDC22-CD4C-5B2F-3BD8-0A5F60A1326B}"/>
+              </a:ext>
+            </a:extLst>
+          </p:cNvPr>
+          <p:cNvSpPr txBox="1"/>
+          <p:nvPr/>
+        </p:nvSpPr>
+        <p:spPr>
+          <a:xfrm>
+            <a:off x="124428" y="4243998"/>
+            <a:ext cx="1408176" cy="646331"/>
+          </a:xfrm>
+          <a:prstGeom prst="rect">
+            <a:avLst/>
+          </a:prstGeom>
+          <a:noFill/>
+        </p:spPr>
+        <p:txBody>
+          <a:bodyPr wrap="square" rtlCol="0">
+            <a:spAutoFit/>
+          </a:bodyPr>
+          <a:lstStyle/>
+          <a:p>
+            <a:pPr algn="ctr"/>
+            <a:r>
+              <a:rPr lang="en-US" dirty="0"/>
+              <a:t>100% labeled</a:t>
+            </a:r>
+          </a:p>
+        </p:txBody>
+      </p:sp>
+      <p:pic>
+        <p:nvPicPr>
+          <p:cNvPr id="11" name="Picture 10" descr="card">
+            <a:extLst>
+              <a:ext uri="{FF2B5EF4-FFF2-40B4-BE49-F238E27FC236}">
+                <a16:creationId xmlns:a16="http://schemas.microsoft.com/office/drawing/2014/main" id="{F5D0C219-0049-25C4-E250-DBE7C6E3DC01}"/>
+              </a:ext>
+            </a:extLst>
+          </p:cNvPr>
+          <p:cNvPicPr>
+            <a:picLocks noChangeAspect="1" noChangeArrowheads="1"/>
+          </p:cNvPicPr>
+          <p:nvPr/>
+        </p:nvPicPr>
+        <p:blipFill rotWithShape="1">
+          <a:blip r:embed="rId3">
+            <a:extLst>
+              <a:ext uri="{28A0092B-C50C-407E-A947-70E740481C1C}">
+                <a14:useLocalDpi xmlns:a14="http://schemas.microsoft.com/office/drawing/2010/main" val="0"/>
+              </a:ext>
+            </a:extLst>
+          </a:blip>
+          <a:srcRect l="26274" t="4409" r="50975" b="5109"/>
+          <a:stretch>
+            <a:fillRect/>
+          </a:stretch>
+        </p:blipFill>
+        <p:spPr bwMode="auto">
+          <a:xfrm>
+            <a:off x="1745963" y="3799080"/>
+            <a:ext cx="1858024" cy="1536168"/>
+          </a:xfrm>
+          <a:prstGeom prst="rect">
+            <a:avLst/>
+          </a:prstGeom>
+          <a:noFill/>
+          <a:extLst>
+            <a:ext uri="{909E8E84-426E-40DD-AFC4-6F175D3DCCD1}">
+              <a14:hiddenFill xmlns:a14="http://schemas.microsoft.com/office/drawing/2010/main">
+                <a:solidFill>
+                  <a:srgbClr val="FFFFFF"/>
+                </a:solidFill>
+              </a14:hiddenFill>
+            </a:ext>
+          </a:extLst>
+        </p:spPr>
+      </p:pic>
+      <p:pic>
+        <p:nvPicPr>
+          <p:cNvPr id="1034" name="Picture 10" descr="card">
+            <a:extLst>
+              <a:ext uri="{FF2B5EF4-FFF2-40B4-BE49-F238E27FC236}">
+                <a16:creationId xmlns:a16="http://schemas.microsoft.com/office/drawing/2014/main" id="{8A665E3E-9A42-46F5-DF03-7B7B541D41BE}"/>
+              </a:ext>
+            </a:extLst>
+          </p:cNvPr>
+          <p:cNvPicPr>
+            <a:picLocks noChangeAspect="1" noChangeArrowheads="1"/>
+          </p:cNvPicPr>
+          <p:nvPr/>
+        </p:nvPicPr>
+        <p:blipFill rotWithShape="1">
+          <a:blip r:embed="rId6">
+            <a:extLst>
+              <a:ext uri="{28A0092B-C50C-407E-A947-70E740481C1C}">
+                <a14:useLocalDpi xmlns:a14="http://schemas.microsoft.com/office/drawing/2010/main" val="0"/>
+              </a:ext>
+            </a:extLst>
+          </a:blip>
+          <a:srcRect l="70050" t="6575" r="1400" b="7325"/>
+          <a:stretch>
+            <a:fillRect/>
+          </a:stretch>
+        </p:blipFill>
+        <p:spPr bwMode="auto">
+          <a:xfrm>
+            <a:off x="8116198" y="3799079"/>
+            <a:ext cx="1812931" cy="1536167"/>
+          </a:xfrm>
+          <a:prstGeom prst="rect">
+            <a:avLst/>
+          </a:prstGeom>
+          <a:noFill/>
+          <a:extLst>
+            <a:ext uri="{909E8E84-426E-40DD-AFC4-6F175D3DCCD1}">
+              <a14:hiddenFill xmlns:a14="http://schemas.microsoft.com/office/drawing/2010/main">
+                <a:solidFill>
+                  <a:srgbClr val="FFFFFF"/>
+                </a:solidFill>
+              </a14:hiddenFill>
+            </a:ext>
+          </a:extLst>
+        </p:spPr>
+      </p:pic>
+      <p:pic>
+        <p:nvPicPr>
+          <p:cNvPr id="1036" name="Picture 12" descr="card">
+            <a:extLst>
+              <a:ext uri="{FF2B5EF4-FFF2-40B4-BE49-F238E27FC236}">
+                <a16:creationId xmlns:a16="http://schemas.microsoft.com/office/drawing/2014/main" id="{5891537E-6A68-CB62-1DA8-13C3586CE1C7}"/>
+              </a:ext>
+            </a:extLst>
+          </p:cNvPr>
+          <p:cNvPicPr>
+            <a:picLocks noChangeAspect="1" noChangeArrowheads="1"/>
+          </p:cNvPicPr>
+          <p:nvPr/>
+        </p:nvPicPr>
+        <p:blipFill rotWithShape="1">
+          <a:blip r:embed="rId7">
+            <a:extLst>
+              <a:ext uri="{28A0092B-C50C-407E-A947-70E740481C1C}">
+                <a14:useLocalDpi xmlns:a14="http://schemas.microsoft.com/office/drawing/2010/main" val="0"/>
+              </a:ext>
+            </a:extLst>
+          </a:blip>
+          <a:srcRect l="70050" t="6576" r="1400" b="7775"/>
+          <a:stretch>
+            <a:fillRect/>
+          </a:stretch>
+        </p:blipFill>
+        <p:spPr bwMode="auto">
+          <a:xfrm>
+            <a:off x="10209548" y="3797382"/>
+            <a:ext cx="1812930" cy="1536167"/>
+          </a:xfrm>
+          <a:prstGeom prst="rect">
+            <a:avLst/>
+          </a:prstGeom>
+          <a:noFill/>
+          <a:extLst>
+            <a:ext uri="{909E8E84-426E-40DD-AFC4-6F175D3DCCD1}">
+              <a14:hiddenFill xmlns:a14="http://schemas.microsoft.com/office/drawing/2010/main">
+                <a:solidFill>
+                  <a:srgbClr val="FFFFFF"/>
+                </a:solidFill>
+              </a14:hiddenFill>
+            </a:ext>
+          </a:extLst>
+        </p:spPr>
+      </p:pic>
+      <p:sp>
+        <p:nvSpPr>
+          <p:cNvPr id="12" name="Rectangle 11">
+            <a:extLst>
+              <a:ext uri="{FF2B5EF4-FFF2-40B4-BE49-F238E27FC236}">
+                <a16:creationId xmlns:a16="http://schemas.microsoft.com/office/drawing/2014/main" id="{9B41D323-6715-1775-C1F1-AA9E0BAF0583}"/>
+              </a:ext>
+            </a:extLst>
+          </p:cNvPr>
+          <p:cNvSpPr/>
+          <p:nvPr/>
+        </p:nvSpPr>
+        <p:spPr>
+          <a:xfrm>
+            <a:off x="3861859" y="3797381"/>
+            <a:ext cx="1858024" cy="1536168"/>
+          </a:xfrm>
+          <a:prstGeom prst="rect">
+            <a:avLst/>
+          </a:prstGeom>
+          <a:noFill/>
+          <a:ln>
+            <a:solidFill>
+              <a:schemeClr val="tx1"/>
+            </a:solidFill>
+          </a:ln>
+        </p:spPr>
+        <p:style>
+          <a:lnRef idx="2">
+            <a:schemeClr val="dk1">
+              <a:shade val="15000"/>
+            </a:schemeClr>
+          </a:lnRef>
+          <a:fillRef idx="1">
+            <a:schemeClr val="dk1"/>
+          </a:fillRef>
+          <a:effectRef idx="0">
+            <a:schemeClr val="dk1"/>
+          </a:effectRef>
+          <a:fontRef idx="minor">
+            <a:schemeClr val="lt1"/>
+          </a:fontRef>
+        </p:style>
+        <p:txBody>
+          <a:bodyPr rtlCol="0" anchor="ctr"/>
+          <a:lstStyle/>
+          <a:p>
+            <a:pPr algn="ctr"/>
+            <a:endParaRPr lang="en-US"/>
+          </a:p>
+        </p:txBody>
+      </p:sp>
+      <p:sp>
+        <p:nvSpPr>
+          <p:cNvPr id="14" name="TextBox 13">
+            <a:extLst>
+              <a:ext uri="{FF2B5EF4-FFF2-40B4-BE49-F238E27FC236}">
+                <a16:creationId xmlns:a16="http://schemas.microsoft.com/office/drawing/2014/main" id="{0A840A2A-A40B-6EBC-A1A9-B5479D161518}"/>
+              </a:ext>
+            </a:extLst>
+          </p:cNvPr>
+          <p:cNvSpPr txBox="1"/>
+          <p:nvPr/>
+        </p:nvSpPr>
+        <p:spPr>
+          <a:xfrm>
+            <a:off x="4069359" y="4380799"/>
+            <a:ext cx="1443024" cy="369332"/>
+          </a:xfrm>
+          <a:prstGeom prst="rect">
+            <a:avLst/>
+          </a:prstGeom>
+          <a:noFill/>
+        </p:spPr>
+        <p:txBody>
+          <a:bodyPr wrap="none" rtlCol="0">
+            <a:spAutoFit/>
+          </a:bodyPr>
+          <a:lstStyle/>
+          <a:p>
+            <a:r>
+              <a:rPr lang="en-US" dirty="0"/>
+              <a:t>Not possible</a:t>
+            </a:r>
+          </a:p>
+        </p:txBody>
+      </p:sp>
+      <p:sp>
+        <p:nvSpPr>
+          <p:cNvPr id="15" name="Rectangle 14">
+            <a:extLst>
+              <a:ext uri="{FF2B5EF4-FFF2-40B4-BE49-F238E27FC236}">
+                <a16:creationId xmlns:a16="http://schemas.microsoft.com/office/drawing/2014/main" id="{B96A65E3-E4D4-8E51-9BCA-4C6E4BC88853}"/>
+              </a:ext>
+            </a:extLst>
+          </p:cNvPr>
+          <p:cNvSpPr/>
+          <p:nvPr/>
+        </p:nvSpPr>
+        <p:spPr>
+          <a:xfrm>
+            <a:off x="5977755" y="3797381"/>
+            <a:ext cx="1858024" cy="1536168"/>
+          </a:xfrm>
+          <a:prstGeom prst="rect">
+            <a:avLst/>
+          </a:prstGeom>
+          <a:noFill/>
+          <a:ln>
+            <a:solidFill>
+              <a:schemeClr val="tx1"/>
+            </a:solidFill>
+          </a:ln>
+        </p:spPr>
+        <p:style>
+          <a:lnRef idx="2">
+            <a:schemeClr val="dk1">
+              <a:shade val="15000"/>
+            </a:schemeClr>
+          </a:lnRef>
+          <a:fillRef idx="1">
+            <a:schemeClr val="dk1"/>
+          </a:fillRef>
+          <a:effectRef idx="0">
+            <a:schemeClr val="dk1"/>
+          </a:effectRef>
+          <a:fontRef idx="minor">
+            <a:schemeClr val="lt1"/>
+          </a:fontRef>
+        </p:style>
+        <p:txBody>
+          <a:bodyPr rtlCol="0" anchor="ctr"/>
+          <a:lstStyle/>
+          <a:p>
+            <a:pPr algn="ctr"/>
+            <a:endParaRPr lang="en-US"/>
+          </a:p>
+        </p:txBody>
+      </p:sp>
+      <p:sp>
+        <p:nvSpPr>
+          <p:cNvPr id="16" name="TextBox 15">
+            <a:extLst>
+              <a:ext uri="{FF2B5EF4-FFF2-40B4-BE49-F238E27FC236}">
+                <a16:creationId xmlns:a16="http://schemas.microsoft.com/office/drawing/2014/main" id="{3B7C85EB-0D64-1D38-CF22-09510FC2CE14}"/>
+              </a:ext>
+            </a:extLst>
+          </p:cNvPr>
+          <p:cNvSpPr txBox="1"/>
+          <p:nvPr/>
+        </p:nvSpPr>
+        <p:spPr>
+          <a:xfrm>
+            <a:off x="6185255" y="4380799"/>
+            <a:ext cx="1443024" cy="369332"/>
+          </a:xfrm>
+          <a:prstGeom prst="rect">
+            <a:avLst/>
+          </a:prstGeom>
+          <a:noFill/>
+        </p:spPr>
+        <p:txBody>
+          <a:bodyPr wrap="none" rtlCol="0">
+            <a:spAutoFit/>
+          </a:bodyPr>
+          <a:lstStyle/>
+          <a:p>
+            <a:r>
+              <a:rPr lang="en-US" dirty="0"/>
+              <a:t>Not possible</a:t>
+            </a:r>
+          </a:p>
+        </p:txBody>
+      </p:sp>
+      <p:sp>
+        <p:nvSpPr>
+          <p:cNvPr id="18" name="TextBox 17">
+            <a:extLst>
+              <a:ext uri="{FF2B5EF4-FFF2-40B4-BE49-F238E27FC236}">
+                <a16:creationId xmlns:a16="http://schemas.microsoft.com/office/drawing/2014/main" id="{15E52B44-60D2-1272-4538-820234380F28}"/>
+              </a:ext>
+            </a:extLst>
+          </p:cNvPr>
+          <p:cNvSpPr txBox="1"/>
+          <p:nvPr/>
+        </p:nvSpPr>
+        <p:spPr>
+          <a:xfrm>
+            <a:off x="124428" y="852315"/>
+            <a:ext cx="1408176" cy="369332"/>
+          </a:xfrm>
+          <a:prstGeom prst="rect">
+            <a:avLst/>
+          </a:prstGeom>
+          <a:noFill/>
+        </p:spPr>
+        <p:txBody>
+          <a:bodyPr wrap="square" rtlCol="0">
+            <a:spAutoFit/>
+          </a:bodyPr>
+          <a:lstStyle/>
+          <a:p>
+            <a:pPr algn="ctr"/>
+            <a:r>
+              <a:rPr lang="en-US" dirty="0"/>
+              <a:t>From paper</a:t>
             </a:r>
           </a:p>
         </p:txBody>
@@ -3709,7 +4097,842 @@
         <p:cNvPr id="1" name="">
           <a:extLst>
             <a:ext uri="{FF2B5EF4-FFF2-40B4-BE49-F238E27FC236}">
-              <a16:creationId xmlns:a16="http://schemas.microsoft.com/office/drawing/2014/main" id="{FF8798FD-09A6-C610-6508-191FC2AA37A3}"/>
+              <a16:creationId xmlns:a16="http://schemas.microsoft.com/office/drawing/2014/main" id="{893CD3D3-A88F-D077-849D-AB4A82CB46D5}"/>
+            </a:ext>
+          </a:extLst>
+        </p:cNvPr>
+        <p:cNvGrpSpPr/>
+        <p:nvPr/>
+      </p:nvGrpSpPr>
+      <p:grpSpPr>
+        <a:xfrm>
+          <a:off x="0" y="0"/>
+          <a:ext cx="0" cy="0"/>
+          <a:chOff x="0" y="0"/>
+          <a:chExt cx="0" cy="0"/>
+        </a:xfrm>
+      </p:grpSpPr>
+      <p:pic>
+        <p:nvPicPr>
+          <p:cNvPr id="4098" name="Picture 2" descr="card">
+            <a:extLst>
+              <a:ext uri="{FF2B5EF4-FFF2-40B4-BE49-F238E27FC236}">
+                <a16:creationId xmlns:a16="http://schemas.microsoft.com/office/drawing/2014/main" id="{2C320A3D-A7D3-05C4-2042-92815480228F}"/>
+              </a:ext>
+            </a:extLst>
+          </p:cNvPr>
+          <p:cNvPicPr>
+            <a:picLocks noChangeArrowheads="1"/>
+          </p:cNvPicPr>
+          <p:nvPr/>
+        </p:nvPicPr>
+        <p:blipFill rotWithShape="1">
+          <a:blip r:embed="rId2">
+            <a:extLst>
+              <a:ext uri="{28A0092B-C50C-407E-A947-70E740481C1C}">
+                <a14:useLocalDpi xmlns:a14="http://schemas.microsoft.com/office/drawing/2010/main" val="0"/>
+              </a:ext>
+            </a:extLst>
+          </a:blip>
+          <a:srcRect l="26100" t="4035" r="50932" b="3765"/>
+          <a:stretch>
+            <a:fillRect/>
+          </a:stretch>
+        </p:blipFill>
+        <p:spPr bwMode="auto">
+          <a:xfrm>
+            <a:off x="1745963" y="2120333"/>
+            <a:ext cx="1856232" cy="1536192"/>
+          </a:xfrm>
+          <a:prstGeom prst="rect">
+            <a:avLst/>
+          </a:prstGeom>
+          <a:noFill/>
+          <a:extLst>
+            <a:ext uri="{909E8E84-426E-40DD-AFC4-6F175D3DCCD1}">
+              <a14:hiddenFill xmlns:a14="http://schemas.microsoft.com/office/drawing/2010/main">
+                <a:solidFill>
+                  <a:srgbClr val="FFFFFF"/>
+                </a:solidFill>
+              </a14:hiddenFill>
+            </a:ext>
+          </a:extLst>
+        </p:spPr>
+      </p:pic>
+      <p:pic>
+        <p:nvPicPr>
+          <p:cNvPr id="1026" name="Picture 2">
+            <a:extLst>
+              <a:ext uri="{FF2B5EF4-FFF2-40B4-BE49-F238E27FC236}">
+                <a16:creationId xmlns:a16="http://schemas.microsoft.com/office/drawing/2014/main" id="{DA9B1C36-001A-5093-F3F7-3317AE076A9C}"/>
+              </a:ext>
+            </a:extLst>
+          </p:cNvPr>
+          <p:cNvPicPr>
+            <a:picLocks noChangeAspect="1" noChangeArrowheads="1"/>
+          </p:cNvPicPr>
+          <p:nvPr/>
+        </p:nvPicPr>
+        <p:blipFill rotWithShape="1">
+          <a:blip r:embed="rId3">
+            <a:extLst>
+              <a:ext uri="{28A0092B-C50C-407E-A947-70E740481C1C}">
+                <a14:useLocalDpi xmlns:a14="http://schemas.microsoft.com/office/drawing/2010/main" val="0"/>
+              </a:ext>
+            </a:extLst>
+          </a:blip>
+          <a:srcRect l="-1" r="17020" b="97783"/>
+          <a:stretch>
+            <a:fillRect/>
+          </a:stretch>
+        </p:blipFill>
+        <p:spPr bwMode="auto">
+          <a:xfrm>
+            <a:off x="1745963" y="92766"/>
+            <a:ext cx="10321609" cy="309572"/>
+          </a:xfrm>
+          <a:prstGeom prst="rect">
+            <a:avLst/>
+          </a:prstGeom>
+          <a:noFill/>
+          <a:extLst>
+            <a:ext uri="{909E8E84-426E-40DD-AFC4-6F175D3DCCD1}">
+              <a14:hiddenFill xmlns:a14="http://schemas.microsoft.com/office/drawing/2010/main">
+                <a:solidFill>
+                  <a:srgbClr val="FFFFFF"/>
+                </a:solidFill>
+              </a14:hiddenFill>
+            </a:ext>
+          </a:extLst>
+        </p:spPr>
+      </p:pic>
+      <p:pic>
+        <p:nvPicPr>
+          <p:cNvPr id="4" name="Picture 2">
+            <a:extLst>
+              <a:ext uri="{FF2B5EF4-FFF2-40B4-BE49-F238E27FC236}">
+                <a16:creationId xmlns:a16="http://schemas.microsoft.com/office/drawing/2014/main" id="{158CFC3C-4791-D7D8-6F9F-4D82AAC7EFD1}"/>
+              </a:ext>
+            </a:extLst>
+          </p:cNvPr>
+          <p:cNvPicPr>
+            <a:picLocks noChangeAspect="1" noChangeArrowheads="1"/>
+          </p:cNvPicPr>
+          <p:nvPr/>
+        </p:nvPicPr>
+        <p:blipFill rotWithShape="1">
+          <a:blip r:embed="rId3">
+            <a:extLst>
+              <a:ext uri="{28A0092B-C50C-407E-A947-70E740481C1C}">
+                <a14:useLocalDpi xmlns:a14="http://schemas.microsoft.com/office/drawing/2010/main" val="0"/>
+              </a:ext>
+            </a:extLst>
+          </a:blip>
+          <a:srcRect t="97681"/>
+          <a:stretch>
+            <a:fillRect/>
+          </a:stretch>
+        </p:blipFill>
+        <p:spPr bwMode="auto">
+          <a:xfrm>
+            <a:off x="4069359" y="5472707"/>
+            <a:ext cx="6110287" cy="159026"/>
+          </a:xfrm>
+          <a:prstGeom prst="rect">
+            <a:avLst/>
+          </a:prstGeom>
+          <a:noFill/>
+          <a:extLst>
+            <a:ext uri="{909E8E84-426E-40DD-AFC4-6F175D3DCCD1}">
+              <a14:hiddenFill xmlns:a14="http://schemas.microsoft.com/office/drawing/2010/main">
+                <a:solidFill>
+                  <a:srgbClr val="FFFFFF"/>
+                </a:solidFill>
+              </a14:hiddenFill>
+            </a:ext>
+          </a:extLst>
+        </p:spPr>
+      </p:pic>
+      <p:sp>
+        <p:nvSpPr>
+          <p:cNvPr id="9" name="TextBox 8">
+            <a:extLst>
+              <a:ext uri="{FF2B5EF4-FFF2-40B4-BE49-F238E27FC236}">
+                <a16:creationId xmlns:a16="http://schemas.microsoft.com/office/drawing/2014/main" id="{60556C32-B441-7A6C-5C36-32E8788EA71C}"/>
+              </a:ext>
+            </a:extLst>
+          </p:cNvPr>
+          <p:cNvSpPr txBox="1"/>
+          <p:nvPr/>
+        </p:nvSpPr>
+        <p:spPr>
+          <a:xfrm>
+            <a:off x="124428" y="2614002"/>
+            <a:ext cx="1408176" cy="646331"/>
+          </a:xfrm>
+          <a:prstGeom prst="rect">
+            <a:avLst/>
+          </a:prstGeom>
+          <a:noFill/>
+        </p:spPr>
+        <p:txBody>
+          <a:bodyPr wrap="square" rtlCol="0">
+            <a:spAutoFit/>
+          </a:bodyPr>
+          <a:lstStyle/>
+          <a:p>
+            <a:pPr algn="ctr"/>
+            <a:r>
+              <a:rPr lang="en-US" dirty="0"/>
+              <a:t>With Unlabeled</a:t>
+            </a:r>
+          </a:p>
+        </p:txBody>
+      </p:sp>
+      <p:sp>
+        <p:nvSpPr>
+          <p:cNvPr id="10" name="TextBox 9">
+            <a:extLst>
+              <a:ext uri="{FF2B5EF4-FFF2-40B4-BE49-F238E27FC236}">
+                <a16:creationId xmlns:a16="http://schemas.microsoft.com/office/drawing/2014/main" id="{7F683D33-50CF-7F83-04FB-ED371BE13045}"/>
+              </a:ext>
+            </a:extLst>
+          </p:cNvPr>
+          <p:cNvSpPr txBox="1"/>
+          <p:nvPr/>
+        </p:nvSpPr>
+        <p:spPr>
+          <a:xfrm>
+            <a:off x="124428" y="4243998"/>
+            <a:ext cx="1408176" cy="646331"/>
+          </a:xfrm>
+          <a:prstGeom prst="rect">
+            <a:avLst/>
+          </a:prstGeom>
+          <a:noFill/>
+        </p:spPr>
+        <p:txBody>
+          <a:bodyPr wrap="square" rtlCol="0">
+            <a:spAutoFit/>
+          </a:bodyPr>
+          <a:lstStyle/>
+          <a:p>
+            <a:pPr algn="ctr"/>
+            <a:r>
+              <a:rPr lang="en-US" dirty="0"/>
+              <a:t>100% labeled</a:t>
+            </a:r>
+          </a:p>
+        </p:txBody>
+      </p:sp>
+      <p:sp>
+        <p:nvSpPr>
+          <p:cNvPr id="12" name="Rectangle 11">
+            <a:extLst>
+              <a:ext uri="{FF2B5EF4-FFF2-40B4-BE49-F238E27FC236}">
+                <a16:creationId xmlns:a16="http://schemas.microsoft.com/office/drawing/2014/main" id="{7348739C-66DE-BD0A-7A69-A50911FF90E5}"/>
+              </a:ext>
+            </a:extLst>
+          </p:cNvPr>
+          <p:cNvSpPr/>
+          <p:nvPr/>
+        </p:nvSpPr>
+        <p:spPr>
+          <a:xfrm>
+            <a:off x="3861859" y="3797381"/>
+            <a:ext cx="1858024" cy="1536168"/>
+          </a:xfrm>
+          <a:prstGeom prst="rect">
+            <a:avLst/>
+          </a:prstGeom>
+          <a:noFill/>
+          <a:ln>
+            <a:solidFill>
+              <a:schemeClr val="tx1"/>
+            </a:solidFill>
+          </a:ln>
+        </p:spPr>
+        <p:style>
+          <a:lnRef idx="2">
+            <a:schemeClr val="dk1">
+              <a:shade val="15000"/>
+            </a:schemeClr>
+          </a:lnRef>
+          <a:fillRef idx="1">
+            <a:schemeClr val="dk1"/>
+          </a:fillRef>
+          <a:effectRef idx="0">
+            <a:schemeClr val="dk1"/>
+          </a:effectRef>
+          <a:fontRef idx="minor">
+            <a:schemeClr val="lt1"/>
+          </a:fontRef>
+        </p:style>
+        <p:txBody>
+          <a:bodyPr rtlCol="0" anchor="ctr"/>
+          <a:lstStyle/>
+          <a:p>
+            <a:pPr algn="ctr"/>
+            <a:endParaRPr lang="en-US"/>
+          </a:p>
+        </p:txBody>
+      </p:sp>
+      <p:sp>
+        <p:nvSpPr>
+          <p:cNvPr id="14" name="TextBox 13">
+            <a:extLst>
+              <a:ext uri="{FF2B5EF4-FFF2-40B4-BE49-F238E27FC236}">
+                <a16:creationId xmlns:a16="http://schemas.microsoft.com/office/drawing/2014/main" id="{98C604FA-89AF-8457-89D7-D17B66D8C719}"/>
+              </a:ext>
+            </a:extLst>
+          </p:cNvPr>
+          <p:cNvSpPr txBox="1"/>
+          <p:nvPr/>
+        </p:nvSpPr>
+        <p:spPr>
+          <a:xfrm>
+            <a:off x="4069359" y="4380799"/>
+            <a:ext cx="1443024" cy="369332"/>
+          </a:xfrm>
+          <a:prstGeom prst="rect">
+            <a:avLst/>
+          </a:prstGeom>
+          <a:noFill/>
+        </p:spPr>
+        <p:txBody>
+          <a:bodyPr wrap="none" rtlCol="0">
+            <a:spAutoFit/>
+          </a:bodyPr>
+          <a:lstStyle/>
+          <a:p>
+            <a:r>
+              <a:rPr lang="en-US" dirty="0"/>
+              <a:t>Not possible</a:t>
+            </a:r>
+          </a:p>
+        </p:txBody>
+      </p:sp>
+      <p:sp>
+        <p:nvSpPr>
+          <p:cNvPr id="15" name="Rectangle 14">
+            <a:extLst>
+              <a:ext uri="{FF2B5EF4-FFF2-40B4-BE49-F238E27FC236}">
+                <a16:creationId xmlns:a16="http://schemas.microsoft.com/office/drawing/2014/main" id="{8BB003DF-C1F2-2D6D-A613-FAA5F82918C3}"/>
+              </a:ext>
+            </a:extLst>
+          </p:cNvPr>
+          <p:cNvSpPr/>
+          <p:nvPr/>
+        </p:nvSpPr>
+        <p:spPr>
+          <a:xfrm>
+            <a:off x="5977755" y="3797381"/>
+            <a:ext cx="1858024" cy="1536168"/>
+          </a:xfrm>
+          <a:prstGeom prst="rect">
+            <a:avLst/>
+          </a:prstGeom>
+          <a:noFill/>
+          <a:ln>
+            <a:solidFill>
+              <a:schemeClr val="tx1"/>
+            </a:solidFill>
+          </a:ln>
+        </p:spPr>
+        <p:style>
+          <a:lnRef idx="2">
+            <a:schemeClr val="dk1">
+              <a:shade val="15000"/>
+            </a:schemeClr>
+          </a:lnRef>
+          <a:fillRef idx="1">
+            <a:schemeClr val="dk1"/>
+          </a:fillRef>
+          <a:effectRef idx="0">
+            <a:schemeClr val="dk1"/>
+          </a:effectRef>
+          <a:fontRef idx="minor">
+            <a:schemeClr val="lt1"/>
+          </a:fontRef>
+        </p:style>
+        <p:txBody>
+          <a:bodyPr rtlCol="0" anchor="ctr"/>
+          <a:lstStyle/>
+          <a:p>
+            <a:pPr algn="ctr"/>
+            <a:endParaRPr lang="en-US"/>
+          </a:p>
+        </p:txBody>
+      </p:sp>
+      <p:sp>
+        <p:nvSpPr>
+          <p:cNvPr id="16" name="TextBox 15">
+            <a:extLst>
+              <a:ext uri="{FF2B5EF4-FFF2-40B4-BE49-F238E27FC236}">
+                <a16:creationId xmlns:a16="http://schemas.microsoft.com/office/drawing/2014/main" id="{A2E2D14A-B9A9-8505-05D0-DE2E40FFD2EF}"/>
+              </a:ext>
+            </a:extLst>
+          </p:cNvPr>
+          <p:cNvSpPr txBox="1"/>
+          <p:nvPr/>
+        </p:nvSpPr>
+        <p:spPr>
+          <a:xfrm>
+            <a:off x="6185255" y="4380799"/>
+            <a:ext cx="1443024" cy="369332"/>
+          </a:xfrm>
+          <a:prstGeom prst="rect">
+            <a:avLst/>
+          </a:prstGeom>
+          <a:noFill/>
+        </p:spPr>
+        <p:txBody>
+          <a:bodyPr wrap="none" rtlCol="0">
+            <a:spAutoFit/>
+          </a:bodyPr>
+          <a:lstStyle/>
+          <a:p>
+            <a:r>
+              <a:rPr lang="en-US" dirty="0"/>
+              <a:t>Not possible</a:t>
+            </a:r>
+          </a:p>
+        </p:txBody>
+      </p:sp>
+      <p:sp>
+        <p:nvSpPr>
+          <p:cNvPr id="18" name="TextBox 17">
+            <a:extLst>
+              <a:ext uri="{FF2B5EF4-FFF2-40B4-BE49-F238E27FC236}">
+                <a16:creationId xmlns:a16="http://schemas.microsoft.com/office/drawing/2014/main" id="{1FD970AF-1DD9-FB7F-3618-4EB76CA869EC}"/>
+              </a:ext>
+            </a:extLst>
+          </p:cNvPr>
+          <p:cNvSpPr txBox="1"/>
+          <p:nvPr/>
+        </p:nvSpPr>
+        <p:spPr>
+          <a:xfrm>
+            <a:off x="124428" y="852315"/>
+            <a:ext cx="1408176" cy="369332"/>
+          </a:xfrm>
+          <a:prstGeom prst="rect">
+            <a:avLst/>
+          </a:prstGeom>
+          <a:noFill/>
+        </p:spPr>
+        <p:txBody>
+          <a:bodyPr wrap="square" rtlCol="0">
+            <a:spAutoFit/>
+          </a:bodyPr>
+          <a:lstStyle/>
+          <a:p>
+            <a:pPr algn="ctr"/>
+            <a:r>
+              <a:rPr lang="en-US" dirty="0"/>
+              <a:t>From paper</a:t>
+            </a:r>
+          </a:p>
+        </p:txBody>
+      </p:sp>
+      <p:pic>
+        <p:nvPicPr>
+          <p:cNvPr id="2" name="Picture 2">
+            <a:extLst>
+              <a:ext uri="{FF2B5EF4-FFF2-40B4-BE49-F238E27FC236}">
+                <a16:creationId xmlns:a16="http://schemas.microsoft.com/office/drawing/2014/main" id="{FD8D975C-2CF0-7AED-068A-4C61C84B02C7}"/>
+              </a:ext>
+            </a:extLst>
+          </p:cNvPr>
+          <p:cNvPicPr>
+            <a:picLocks noChangeAspect="1" noChangeArrowheads="1"/>
+          </p:cNvPicPr>
+          <p:nvPr/>
+        </p:nvPicPr>
+        <p:blipFill rotWithShape="1">
+          <a:blip r:embed="rId3">
+            <a:extLst>
+              <a:ext uri="{28A0092B-C50C-407E-A947-70E740481C1C}">
+                <a14:useLocalDpi xmlns:a14="http://schemas.microsoft.com/office/drawing/2010/main" val="0"/>
+              </a:ext>
+            </a:extLst>
+          </a:blip>
+          <a:srcRect l="-392" t="29648" r="17412" b="61643"/>
+          <a:stretch>
+            <a:fillRect/>
+          </a:stretch>
+        </p:blipFill>
+        <p:spPr bwMode="auto">
+          <a:xfrm>
+            <a:off x="1700869" y="402337"/>
+            <a:ext cx="10321609" cy="1582258"/>
+          </a:xfrm>
+          <a:prstGeom prst="rect">
+            <a:avLst/>
+          </a:prstGeom>
+          <a:noFill/>
+          <a:extLst>
+            <a:ext uri="{909E8E84-426E-40DD-AFC4-6F175D3DCCD1}">
+              <a14:hiddenFill xmlns:a14="http://schemas.microsoft.com/office/drawing/2010/main">
+                <a:solidFill>
+                  <a:srgbClr val="FFFFFF"/>
+                </a:solidFill>
+              </a14:hiddenFill>
+            </a:ext>
+          </a:extLst>
+        </p:spPr>
+      </p:pic>
+      <p:pic>
+        <p:nvPicPr>
+          <p:cNvPr id="3" name="Picture 2" descr="card">
+            <a:extLst>
+              <a:ext uri="{FF2B5EF4-FFF2-40B4-BE49-F238E27FC236}">
+                <a16:creationId xmlns:a16="http://schemas.microsoft.com/office/drawing/2014/main" id="{25443D25-6122-62EF-17F7-D8B2E7A5B757}"/>
+              </a:ext>
+            </a:extLst>
+          </p:cNvPr>
+          <p:cNvPicPr>
+            <a:picLocks noChangeArrowheads="1"/>
+          </p:cNvPicPr>
+          <p:nvPr/>
+        </p:nvPicPr>
+        <p:blipFill rotWithShape="1">
+          <a:blip r:embed="rId2">
+            <a:extLst>
+              <a:ext uri="{28A0092B-C50C-407E-A947-70E740481C1C}">
+                <a14:useLocalDpi xmlns:a14="http://schemas.microsoft.com/office/drawing/2010/main" val="0"/>
+              </a:ext>
+            </a:extLst>
+          </a:blip>
+          <a:srcRect l="51070" t="4035" r="25940" b="3765"/>
+          <a:stretch>
+            <a:fillRect/>
+          </a:stretch>
+        </p:blipFill>
+        <p:spPr bwMode="auto">
+          <a:xfrm>
+            <a:off x="3863651" y="2120333"/>
+            <a:ext cx="1856232" cy="1536192"/>
+          </a:xfrm>
+          <a:prstGeom prst="rect">
+            <a:avLst/>
+          </a:prstGeom>
+          <a:noFill/>
+          <a:extLst>
+            <a:ext uri="{909E8E84-426E-40DD-AFC4-6F175D3DCCD1}">
+              <a14:hiddenFill xmlns:a14="http://schemas.microsoft.com/office/drawing/2010/main">
+                <a:solidFill>
+                  <a:srgbClr val="FFFFFF"/>
+                </a:solidFill>
+              </a14:hiddenFill>
+            </a:ext>
+          </a:extLst>
+        </p:spPr>
+      </p:pic>
+      <p:pic>
+        <p:nvPicPr>
+          <p:cNvPr id="8" name="Picture 7" descr="card">
+            <a:extLst>
+              <a:ext uri="{FF2B5EF4-FFF2-40B4-BE49-F238E27FC236}">
+                <a16:creationId xmlns:a16="http://schemas.microsoft.com/office/drawing/2014/main" id="{567CF823-2EF3-5655-D22A-E73C44FBBAD4}"/>
+              </a:ext>
+            </a:extLst>
+          </p:cNvPr>
+          <p:cNvPicPr>
+            <a:picLocks noChangeArrowheads="1"/>
+          </p:cNvPicPr>
+          <p:nvPr/>
+        </p:nvPicPr>
+        <p:blipFill rotWithShape="1">
+          <a:blip r:embed="rId2">
+            <a:extLst>
+              <a:ext uri="{28A0092B-C50C-407E-A947-70E740481C1C}">
+                <a14:useLocalDpi xmlns:a14="http://schemas.microsoft.com/office/drawing/2010/main" val="0"/>
+              </a:ext>
+            </a:extLst>
+          </a:blip>
+          <a:srcRect l="75610" t="4035" r="1400" b="3765"/>
+          <a:stretch>
+            <a:fillRect/>
+          </a:stretch>
+        </p:blipFill>
+        <p:spPr bwMode="auto">
+          <a:xfrm>
+            <a:off x="5977755" y="2120333"/>
+            <a:ext cx="1856232" cy="1536192"/>
+          </a:xfrm>
+          <a:prstGeom prst="rect">
+            <a:avLst/>
+          </a:prstGeom>
+          <a:noFill/>
+          <a:extLst>
+            <a:ext uri="{909E8E84-426E-40DD-AFC4-6F175D3DCCD1}">
+              <a14:hiddenFill xmlns:a14="http://schemas.microsoft.com/office/drawing/2010/main">
+                <a:solidFill>
+                  <a:srgbClr val="FFFFFF"/>
+                </a:solidFill>
+              </a14:hiddenFill>
+            </a:ext>
+          </a:extLst>
+        </p:spPr>
+      </p:pic>
+      <p:pic>
+        <p:nvPicPr>
+          <p:cNvPr id="4100" name="Picture 4" descr="card">
+            <a:extLst>
+              <a:ext uri="{FF2B5EF4-FFF2-40B4-BE49-F238E27FC236}">
+                <a16:creationId xmlns:a16="http://schemas.microsoft.com/office/drawing/2014/main" id="{54119EE2-AD7B-D83A-4BE3-66F2CE2629DD}"/>
+              </a:ext>
+            </a:extLst>
+          </p:cNvPr>
+          <p:cNvPicPr>
+            <a:picLocks noChangeArrowheads="1"/>
+          </p:cNvPicPr>
+          <p:nvPr/>
+        </p:nvPicPr>
+        <p:blipFill rotWithShape="1">
+          <a:blip r:embed="rId4">
+            <a:extLst>
+              <a:ext uri="{28A0092B-C50C-407E-A947-70E740481C1C}">
+                <a14:useLocalDpi xmlns:a14="http://schemas.microsoft.com/office/drawing/2010/main" val="0"/>
+              </a:ext>
+            </a:extLst>
+          </a:blip>
+          <a:srcRect l="70204" t="6713" r="1229" b="7731"/>
+          <a:stretch>
+            <a:fillRect/>
+          </a:stretch>
+        </p:blipFill>
+        <p:spPr bwMode="auto">
+          <a:xfrm>
+            <a:off x="10187897" y="3793985"/>
+            <a:ext cx="1856232" cy="1536192"/>
+          </a:xfrm>
+          <a:prstGeom prst="rect">
+            <a:avLst/>
+          </a:prstGeom>
+          <a:noFill/>
+          <a:extLst>
+            <a:ext uri="{909E8E84-426E-40DD-AFC4-6F175D3DCCD1}">
+              <a14:hiddenFill xmlns:a14="http://schemas.microsoft.com/office/drawing/2010/main">
+                <a:solidFill>
+                  <a:srgbClr val="FFFFFF"/>
+                </a:solidFill>
+              </a14:hiddenFill>
+            </a:ext>
+          </a:extLst>
+        </p:spPr>
+      </p:pic>
+      <p:pic>
+        <p:nvPicPr>
+          <p:cNvPr id="4102" name="Picture 6" descr="card">
+            <a:extLst>
+              <a:ext uri="{FF2B5EF4-FFF2-40B4-BE49-F238E27FC236}">
+                <a16:creationId xmlns:a16="http://schemas.microsoft.com/office/drawing/2014/main" id="{4F79D638-5762-CDC6-6B5E-ADFE0149EA39}"/>
+              </a:ext>
+            </a:extLst>
+          </p:cNvPr>
+          <p:cNvPicPr>
+            <a:picLocks noChangeArrowheads="1"/>
+          </p:cNvPicPr>
+          <p:nvPr/>
+        </p:nvPicPr>
+        <p:blipFill rotWithShape="1">
+          <a:blip r:embed="rId5">
+            <a:extLst>
+              <a:ext uri="{28A0092B-C50C-407E-A947-70E740481C1C}">
+                <a14:useLocalDpi xmlns:a14="http://schemas.microsoft.com/office/drawing/2010/main" val="0"/>
+              </a:ext>
+            </a:extLst>
+          </a:blip>
+          <a:srcRect l="70455" t="6920" r="1212" b="7316"/>
+          <a:stretch>
+            <a:fillRect/>
+          </a:stretch>
+        </p:blipFill>
+        <p:spPr bwMode="auto">
+          <a:xfrm>
+            <a:off x="8093651" y="3793985"/>
+            <a:ext cx="1856232" cy="1536192"/>
+          </a:xfrm>
+          <a:prstGeom prst="rect">
+            <a:avLst/>
+          </a:prstGeom>
+          <a:noFill/>
+          <a:extLst>
+            <a:ext uri="{909E8E84-426E-40DD-AFC4-6F175D3DCCD1}">
+              <a14:hiddenFill xmlns:a14="http://schemas.microsoft.com/office/drawing/2010/main">
+                <a:solidFill>
+                  <a:srgbClr val="FFFFFF"/>
+                </a:solidFill>
+              </a14:hiddenFill>
+            </a:ext>
+          </a:extLst>
+        </p:spPr>
+      </p:pic>
+      <p:pic>
+        <p:nvPicPr>
+          <p:cNvPr id="4104" name="Picture 8" descr="card">
+            <a:extLst>
+              <a:ext uri="{FF2B5EF4-FFF2-40B4-BE49-F238E27FC236}">
+                <a16:creationId xmlns:a16="http://schemas.microsoft.com/office/drawing/2014/main" id="{31714BEC-1FFB-DC11-48FC-617B21140AFD}"/>
+              </a:ext>
+            </a:extLst>
+          </p:cNvPr>
+          <p:cNvPicPr>
+            <a:picLocks noChangeArrowheads="1"/>
+          </p:cNvPicPr>
+          <p:nvPr/>
+        </p:nvPicPr>
+        <p:blipFill rotWithShape="1">
+          <a:blip r:embed="rId6">
+            <a:extLst>
+              <a:ext uri="{28A0092B-C50C-407E-A947-70E740481C1C}">
+                <a14:useLocalDpi xmlns:a14="http://schemas.microsoft.com/office/drawing/2010/main" val="0"/>
+              </a:ext>
+            </a:extLst>
+          </a:blip>
+          <a:srcRect l="70091" t="6722" r="1390" b="7444"/>
+          <a:stretch>
+            <a:fillRect/>
+          </a:stretch>
+        </p:blipFill>
+        <p:spPr bwMode="auto">
+          <a:xfrm>
+            <a:off x="10211340" y="2120333"/>
+            <a:ext cx="1856232" cy="1536192"/>
+          </a:xfrm>
+          <a:prstGeom prst="rect">
+            <a:avLst/>
+          </a:prstGeom>
+          <a:noFill/>
+          <a:extLst>
+            <a:ext uri="{909E8E84-426E-40DD-AFC4-6F175D3DCCD1}">
+              <a14:hiddenFill xmlns:a14="http://schemas.microsoft.com/office/drawing/2010/main">
+                <a:solidFill>
+                  <a:srgbClr val="FFFFFF"/>
+                </a:solidFill>
+              </a14:hiddenFill>
+            </a:ext>
+          </a:extLst>
+        </p:spPr>
+      </p:pic>
+      <p:pic>
+        <p:nvPicPr>
+          <p:cNvPr id="13" name="Picture 2" descr="card">
+            <a:extLst>
+              <a:ext uri="{FF2B5EF4-FFF2-40B4-BE49-F238E27FC236}">
+                <a16:creationId xmlns:a16="http://schemas.microsoft.com/office/drawing/2014/main" id="{C84A8FA6-44C1-DDAE-40F8-C35BF7F8BE6C}"/>
+              </a:ext>
+            </a:extLst>
+          </p:cNvPr>
+          <p:cNvPicPr>
+            <a:picLocks noChangeArrowheads="1"/>
+          </p:cNvPicPr>
+          <p:nvPr/>
+        </p:nvPicPr>
+        <p:blipFill rotWithShape="1">
+          <a:blip r:embed="rId2">
+            <a:extLst>
+              <a:ext uri="{28A0092B-C50C-407E-A947-70E740481C1C}">
+                <a14:useLocalDpi xmlns:a14="http://schemas.microsoft.com/office/drawing/2010/main" val="0"/>
+              </a:ext>
+            </a:extLst>
+          </a:blip>
+          <a:srcRect l="26100" t="4035" r="50932" b="3765"/>
+          <a:stretch>
+            <a:fillRect/>
+          </a:stretch>
+        </p:blipFill>
+        <p:spPr bwMode="auto">
+          <a:xfrm>
+            <a:off x="1740104" y="3793985"/>
+            <a:ext cx="1856232" cy="1536192"/>
+          </a:xfrm>
+          <a:prstGeom prst="rect">
+            <a:avLst/>
+          </a:prstGeom>
+          <a:noFill/>
+          <a:extLst>
+            <a:ext uri="{909E8E84-426E-40DD-AFC4-6F175D3DCCD1}">
+              <a14:hiddenFill xmlns:a14="http://schemas.microsoft.com/office/drawing/2010/main">
+                <a:solidFill>
+                  <a:srgbClr val="FFFFFF"/>
+                </a:solidFill>
+              </a14:hiddenFill>
+            </a:ext>
+          </a:extLst>
+        </p:spPr>
+      </p:pic>
+      <p:pic>
+        <p:nvPicPr>
+          <p:cNvPr id="4106" name="Picture 10" descr="card">
+            <a:extLst>
+              <a:ext uri="{FF2B5EF4-FFF2-40B4-BE49-F238E27FC236}">
+                <a16:creationId xmlns:a16="http://schemas.microsoft.com/office/drawing/2014/main" id="{88F6A1CF-D850-7909-6A16-EA5D10918301}"/>
+              </a:ext>
+            </a:extLst>
+          </p:cNvPr>
+          <p:cNvPicPr>
+            <a:picLocks noChangeArrowheads="1"/>
+          </p:cNvPicPr>
+          <p:nvPr/>
+        </p:nvPicPr>
+        <p:blipFill rotWithShape="1">
+          <a:blip r:embed="rId7">
+            <a:extLst>
+              <a:ext uri="{28A0092B-C50C-407E-A947-70E740481C1C}">
+                <a14:useLocalDpi xmlns:a14="http://schemas.microsoft.com/office/drawing/2010/main" val="0"/>
+              </a:ext>
+            </a:extLst>
+          </a:blip>
+          <a:srcRect l="70454" t="5903" r="1020" b="7153"/>
+          <a:stretch>
+            <a:fillRect/>
+          </a:stretch>
+        </p:blipFill>
+        <p:spPr bwMode="auto">
+          <a:xfrm>
+            <a:off x="8093651" y="2115263"/>
+            <a:ext cx="1856232" cy="1536192"/>
+          </a:xfrm>
+          <a:prstGeom prst="rect">
+            <a:avLst/>
+          </a:prstGeom>
+          <a:noFill/>
+          <a:extLst>
+            <a:ext uri="{909E8E84-426E-40DD-AFC4-6F175D3DCCD1}">
+              <a14:hiddenFill xmlns:a14="http://schemas.microsoft.com/office/drawing/2010/main">
+                <a:solidFill>
+                  <a:srgbClr val="FFFFFF"/>
+                </a:solidFill>
+              </a14:hiddenFill>
+            </a:ext>
+          </a:extLst>
+        </p:spPr>
+      </p:pic>
+    </p:spTree>
+    <p:extLst>
+      <p:ext uri="{BB962C8B-B14F-4D97-AF65-F5344CB8AC3E}">
+        <p14:creationId xmlns:p14="http://schemas.microsoft.com/office/powerpoint/2010/main" val="3027665118"/>
+      </p:ext>
+    </p:extLst>
+  </p:cSld>
+  <p:clrMapOvr>
+    <a:masterClrMapping/>
+  </p:clrMapOvr>
+</p:sld>
+</file>
+
+<file path=ppt/slides/slide3.xml><?xml version="1.0" encoding="utf-8"?>
+<p:sld xmlns:a="http://schemas.openxmlformats.org/drawingml/2006/main" xmlns:r="http://schemas.openxmlformats.org/officeDocument/2006/relationships" xmlns:p="http://schemas.openxmlformats.org/presentationml/2006/main">
+  <p:cSld>
+    <p:spTree>
+      <p:nvGrpSpPr>
+        <p:cNvPr id="1" name="">
+          <a:extLst>
+            <a:ext uri="{FF2B5EF4-FFF2-40B4-BE49-F238E27FC236}">
+              <a16:creationId xmlns:a16="http://schemas.microsoft.com/office/drawing/2014/main" id="{5754C749-B121-AA61-24F7-695FDB431C24}"/>
             </a:ext>
           </a:extLst>
         </p:cNvPr>
@@ -3729,7 +4952,7 @@
           <p:cNvPr id="1026" name="Picture 2">
             <a:extLst>
               <a:ext uri="{FF2B5EF4-FFF2-40B4-BE49-F238E27FC236}">
-                <a16:creationId xmlns:a16="http://schemas.microsoft.com/office/drawing/2014/main" id="{47DFB8FD-60A8-24F0-8728-E369D166A2FE}"/>
+                <a16:creationId xmlns:a16="http://schemas.microsoft.com/office/drawing/2014/main" id="{F2730DE9-DCB8-22C8-D56B-5DA4B09BD616}"/>
               </a:ext>
             </a:extLst>
           </p:cNvPr>
@@ -3746,15 +4969,15 @@
               </a:ext>
             </a:extLst>
           </a:blip>
-          <a:srcRect l="-1" r="-5" b="59614"/>
+          <a:srcRect l="-1" r="17020" b="97783"/>
           <a:stretch>
             <a:fillRect/>
           </a:stretch>
         </p:blipFill>
         <p:spPr bwMode="auto">
           <a:xfrm>
-            <a:off x="2854532" y="59635"/>
-            <a:ext cx="6110563" cy="2769705"/>
+            <a:off x="1745963" y="92766"/>
+            <a:ext cx="10321609" cy="309572"/>
           </a:xfrm>
           <a:prstGeom prst="rect">
             <a:avLst/>
@@ -3776,7 +4999,7 @@
           <p:cNvPr id="4" name="Picture 2">
             <a:extLst>
               <a:ext uri="{FF2B5EF4-FFF2-40B4-BE49-F238E27FC236}">
-                <a16:creationId xmlns:a16="http://schemas.microsoft.com/office/drawing/2014/main" id="{6C0672CA-38F4-F603-4C62-2EA2D0ED433D}"/>
+                <a16:creationId xmlns:a16="http://schemas.microsoft.com/office/drawing/2014/main" id="{6CCF7E4D-E9BF-AE77-F5BB-BA3C4149EA54}"/>
               </a:ext>
             </a:extLst>
           </p:cNvPr>
@@ -3800,7 +5023,7 @@
         </p:blipFill>
         <p:spPr bwMode="auto">
           <a:xfrm>
-            <a:off x="2854808" y="2968486"/>
+            <a:off x="4069359" y="5472707"/>
             <a:ext cx="6110287" cy="159026"/>
           </a:xfrm>
           <a:prstGeom prst="rect">
@@ -3818,10 +5041,715 @@
           </a:extLst>
         </p:spPr>
       </p:pic>
+      <p:sp>
+        <p:nvSpPr>
+          <p:cNvPr id="9" name="TextBox 8">
+            <a:extLst>
+              <a:ext uri="{FF2B5EF4-FFF2-40B4-BE49-F238E27FC236}">
+                <a16:creationId xmlns:a16="http://schemas.microsoft.com/office/drawing/2014/main" id="{72F30BEB-4CF0-9327-31C2-40645C2F37CA}"/>
+              </a:ext>
+            </a:extLst>
+          </p:cNvPr>
+          <p:cNvSpPr txBox="1"/>
+          <p:nvPr/>
+        </p:nvSpPr>
+        <p:spPr>
+          <a:xfrm>
+            <a:off x="124428" y="2614002"/>
+            <a:ext cx="1408176" cy="646331"/>
+          </a:xfrm>
+          <a:prstGeom prst="rect">
+            <a:avLst/>
+          </a:prstGeom>
+          <a:noFill/>
+        </p:spPr>
+        <p:txBody>
+          <a:bodyPr wrap="square" rtlCol="0">
+            <a:spAutoFit/>
+          </a:bodyPr>
+          <a:lstStyle/>
+          <a:p>
+            <a:pPr algn="ctr"/>
+            <a:r>
+              <a:rPr lang="en-US" dirty="0"/>
+              <a:t>With Unlabeled</a:t>
+            </a:r>
+          </a:p>
+        </p:txBody>
+      </p:sp>
+      <p:sp>
+        <p:nvSpPr>
+          <p:cNvPr id="10" name="TextBox 9">
+            <a:extLst>
+              <a:ext uri="{FF2B5EF4-FFF2-40B4-BE49-F238E27FC236}">
+                <a16:creationId xmlns:a16="http://schemas.microsoft.com/office/drawing/2014/main" id="{E9A8B5BA-9D55-30C2-4AE7-CF34F3B283C3}"/>
+              </a:ext>
+            </a:extLst>
+          </p:cNvPr>
+          <p:cNvSpPr txBox="1"/>
+          <p:nvPr/>
+        </p:nvSpPr>
+        <p:spPr>
+          <a:xfrm>
+            <a:off x="124428" y="4243998"/>
+            <a:ext cx="1408176" cy="646331"/>
+          </a:xfrm>
+          <a:prstGeom prst="rect">
+            <a:avLst/>
+          </a:prstGeom>
+          <a:noFill/>
+        </p:spPr>
+        <p:txBody>
+          <a:bodyPr wrap="square" rtlCol="0">
+            <a:spAutoFit/>
+          </a:bodyPr>
+          <a:lstStyle/>
+          <a:p>
+            <a:pPr algn="ctr"/>
+            <a:r>
+              <a:rPr lang="en-US" dirty="0"/>
+              <a:t>100% labeled</a:t>
+            </a:r>
+          </a:p>
+        </p:txBody>
+      </p:sp>
+      <p:sp>
+        <p:nvSpPr>
+          <p:cNvPr id="12" name="Rectangle 11">
+            <a:extLst>
+              <a:ext uri="{FF2B5EF4-FFF2-40B4-BE49-F238E27FC236}">
+                <a16:creationId xmlns:a16="http://schemas.microsoft.com/office/drawing/2014/main" id="{2A3526A2-873D-EEAE-CCD9-E8CE763608AB}"/>
+              </a:ext>
+            </a:extLst>
+          </p:cNvPr>
+          <p:cNvSpPr/>
+          <p:nvPr/>
+        </p:nvSpPr>
+        <p:spPr>
+          <a:xfrm>
+            <a:off x="3861859" y="3797381"/>
+            <a:ext cx="1858024" cy="1536168"/>
+          </a:xfrm>
+          <a:prstGeom prst="rect">
+            <a:avLst/>
+          </a:prstGeom>
+          <a:noFill/>
+          <a:ln>
+            <a:solidFill>
+              <a:schemeClr val="tx1"/>
+            </a:solidFill>
+          </a:ln>
+        </p:spPr>
+        <p:style>
+          <a:lnRef idx="2">
+            <a:schemeClr val="dk1">
+              <a:shade val="15000"/>
+            </a:schemeClr>
+          </a:lnRef>
+          <a:fillRef idx="1">
+            <a:schemeClr val="dk1"/>
+          </a:fillRef>
+          <a:effectRef idx="0">
+            <a:schemeClr val="dk1"/>
+          </a:effectRef>
+          <a:fontRef idx="minor">
+            <a:schemeClr val="lt1"/>
+          </a:fontRef>
+        </p:style>
+        <p:txBody>
+          <a:bodyPr rtlCol="0" anchor="ctr"/>
+          <a:lstStyle/>
+          <a:p>
+            <a:pPr algn="ctr"/>
+            <a:endParaRPr lang="en-US"/>
+          </a:p>
+        </p:txBody>
+      </p:sp>
+      <p:sp>
+        <p:nvSpPr>
+          <p:cNvPr id="14" name="TextBox 13">
+            <a:extLst>
+              <a:ext uri="{FF2B5EF4-FFF2-40B4-BE49-F238E27FC236}">
+                <a16:creationId xmlns:a16="http://schemas.microsoft.com/office/drawing/2014/main" id="{5582D373-01A5-5686-CE40-4B8076BA33DE}"/>
+              </a:ext>
+            </a:extLst>
+          </p:cNvPr>
+          <p:cNvSpPr txBox="1"/>
+          <p:nvPr/>
+        </p:nvSpPr>
+        <p:spPr>
+          <a:xfrm>
+            <a:off x="4069359" y="4380799"/>
+            <a:ext cx="1443024" cy="369332"/>
+          </a:xfrm>
+          <a:prstGeom prst="rect">
+            <a:avLst/>
+          </a:prstGeom>
+          <a:noFill/>
+        </p:spPr>
+        <p:txBody>
+          <a:bodyPr wrap="none" rtlCol="0">
+            <a:spAutoFit/>
+          </a:bodyPr>
+          <a:lstStyle/>
+          <a:p>
+            <a:r>
+              <a:rPr lang="en-US" dirty="0"/>
+              <a:t>Not possible</a:t>
+            </a:r>
+          </a:p>
+        </p:txBody>
+      </p:sp>
+      <p:sp>
+        <p:nvSpPr>
+          <p:cNvPr id="15" name="Rectangle 14">
+            <a:extLst>
+              <a:ext uri="{FF2B5EF4-FFF2-40B4-BE49-F238E27FC236}">
+                <a16:creationId xmlns:a16="http://schemas.microsoft.com/office/drawing/2014/main" id="{09A4AB49-64A5-970F-086C-0857FB321EA6}"/>
+              </a:ext>
+            </a:extLst>
+          </p:cNvPr>
+          <p:cNvSpPr/>
+          <p:nvPr/>
+        </p:nvSpPr>
+        <p:spPr>
+          <a:xfrm>
+            <a:off x="5977755" y="3797381"/>
+            <a:ext cx="1858024" cy="1536168"/>
+          </a:xfrm>
+          <a:prstGeom prst="rect">
+            <a:avLst/>
+          </a:prstGeom>
+          <a:noFill/>
+          <a:ln>
+            <a:solidFill>
+              <a:schemeClr val="tx1"/>
+            </a:solidFill>
+          </a:ln>
+        </p:spPr>
+        <p:style>
+          <a:lnRef idx="2">
+            <a:schemeClr val="dk1">
+              <a:shade val="15000"/>
+            </a:schemeClr>
+          </a:lnRef>
+          <a:fillRef idx="1">
+            <a:schemeClr val="dk1"/>
+          </a:fillRef>
+          <a:effectRef idx="0">
+            <a:schemeClr val="dk1"/>
+          </a:effectRef>
+          <a:fontRef idx="minor">
+            <a:schemeClr val="lt1"/>
+          </a:fontRef>
+        </p:style>
+        <p:txBody>
+          <a:bodyPr rtlCol="0" anchor="ctr"/>
+          <a:lstStyle/>
+          <a:p>
+            <a:pPr algn="ctr"/>
+            <a:endParaRPr lang="en-US"/>
+          </a:p>
+        </p:txBody>
+      </p:sp>
+      <p:sp>
+        <p:nvSpPr>
+          <p:cNvPr id="16" name="TextBox 15">
+            <a:extLst>
+              <a:ext uri="{FF2B5EF4-FFF2-40B4-BE49-F238E27FC236}">
+                <a16:creationId xmlns:a16="http://schemas.microsoft.com/office/drawing/2014/main" id="{3970F9DF-0D10-70FD-2D8B-1AA58AA42B96}"/>
+              </a:ext>
+            </a:extLst>
+          </p:cNvPr>
+          <p:cNvSpPr txBox="1"/>
+          <p:nvPr/>
+        </p:nvSpPr>
+        <p:spPr>
+          <a:xfrm>
+            <a:off x="6185255" y="4380799"/>
+            <a:ext cx="1443024" cy="369332"/>
+          </a:xfrm>
+          <a:prstGeom prst="rect">
+            <a:avLst/>
+          </a:prstGeom>
+          <a:noFill/>
+        </p:spPr>
+        <p:txBody>
+          <a:bodyPr wrap="none" rtlCol="0">
+            <a:spAutoFit/>
+          </a:bodyPr>
+          <a:lstStyle/>
+          <a:p>
+            <a:r>
+              <a:rPr lang="en-US" dirty="0"/>
+              <a:t>Not possible</a:t>
+            </a:r>
+          </a:p>
+        </p:txBody>
+      </p:sp>
+      <p:sp>
+        <p:nvSpPr>
+          <p:cNvPr id="18" name="TextBox 17">
+            <a:extLst>
+              <a:ext uri="{FF2B5EF4-FFF2-40B4-BE49-F238E27FC236}">
+                <a16:creationId xmlns:a16="http://schemas.microsoft.com/office/drawing/2014/main" id="{98B9D476-C839-7E47-5DB0-C1EFCE3024DD}"/>
+              </a:ext>
+            </a:extLst>
+          </p:cNvPr>
+          <p:cNvSpPr txBox="1"/>
+          <p:nvPr/>
+        </p:nvSpPr>
+        <p:spPr>
+          <a:xfrm>
+            <a:off x="124428" y="852315"/>
+            <a:ext cx="1408176" cy="369332"/>
+          </a:xfrm>
+          <a:prstGeom prst="rect">
+            <a:avLst/>
+          </a:prstGeom>
+          <a:noFill/>
+        </p:spPr>
+        <p:txBody>
+          <a:bodyPr wrap="square" rtlCol="0">
+            <a:spAutoFit/>
+          </a:bodyPr>
+          <a:lstStyle/>
+          <a:p>
+            <a:pPr algn="ctr"/>
+            <a:r>
+              <a:rPr lang="en-US" dirty="0"/>
+              <a:t>From paper</a:t>
+            </a:r>
+          </a:p>
+        </p:txBody>
+      </p:sp>
+      <p:pic>
+        <p:nvPicPr>
+          <p:cNvPr id="2" name="Picture 2">
+            <a:extLst>
+              <a:ext uri="{FF2B5EF4-FFF2-40B4-BE49-F238E27FC236}">
+                <a16:creationId xmlns:a16="http://schemas.microsoft.com/office/drawing/2014/main" id="{92719E13-913F-B2CB-76BD-0F2F87C782F5}"/>
+              </a:ext>
+            </a:extLst>
+          </p:cNvPr>
+          <p:cNvPicPr>
+            <a:picLocks noChangeArrowheads="1"/>
+          </p:cNvPicPr>
+          <p:nvPr/>
+        </p:nvPicPr>
+        <p:blipFill rotWithShape="1">
+          <a:blip r:embed="rId2">
+            <a:extLst>
+              <a:ext uri="{28A0092B-C50C-407E-A947-70E740481C1C}">
+                <a14:useLocalDpi xmlns:a14="http://schemas.microsoft.com/office/drawing/2010/main" val="0"/>
+              </a:ext>
+            </a:extLst>
+          </a:blip>
+          <a:srcRect l="-316" t="16040" r="17336" b="73063"/>
+          <a:stretch>
+            <a:fillRect/>
+          </a:stretch>
+        </p:blipFill>
+        <p:spPr bwMode="auto">
+          <a:xfrm>
+            <a:off x="1700869" y="402336"/>
+            <a:ext cx="10321609" cy="1581912"/>
+          </a:xfrm>
+          <a:prstGeom prst="rect">
+            <a:avLst/>
+          </a:prstGeom>
+          <a:noFill/>
+          <a:extLst>
+            <a:ext uri="{909E8E84-426E-40DD-AFC4-6F175D3DCCD1}">
+              <a14:hiddenFill xmlns:a14="http://schemas.microsoft.com/office/drawing/2010/main">
+                <a:solidFill>
+                  <a:srgbClr val="FFFFFF"/>
+                </a:solidFill>
+              </a14:hiddenFill>
+            </a:ext>
+          </a:extLst>
+        </p:spPr>
+      </p:pic>
+      <p:pic>
+        <p:nvPicPr>
+          <p:cNvPr id="5122" name="Picture 2">
+            <a:extLst>
+              <a:ext uri="{FF2B5EF4-FFF2-40B4-BE49-F238E27FC236}">
+                <a16:creationId xmlns:a16="http://schemas.microsoft.com/office/drawing/2014/main" id="{9935B386-C3CD-8C99-FCCE-04C557D9CF5B}"/>
+              </a:ext>
+            </a:extLst>
+          </p:cNvPr>
+          <p:cNvPicPr>
+            <a:picLocks noChangeArrowheads="1"/>
+          </p:cNvPicPr>
+          <p:nvPr/>
+        </p:nvPicPr>
+        <p:blipFill rotWithShape="1">
+          <a:blip r:embed="rId3">
+            <a:extLst>
+              <a:ext uri="{28A0092B-C50C-407E-A947-70E740481C1C}">
+                <a14:useLocalDpi xmlns:a14="http://schemas.microsoft.com/office/drawing/2010/main" val="0"/>
+              </a:ext>
+            </a:extLst>
+          </a:blip>
+          <a:srcRect l="37389" t="6321" r="33999" b="7899"/>
+          <a:stretch>
+            <a:fillRect/>
+          </a:stretch>
+        </p:blipFill>
+        <p:spPr bwMode="auto">
+          <a:xfrm>
+            <a:off x="1740104" y="2122718"/>
+            <a:ext cx="1856232" cy="1536192"/>
+          </a:xfrm>
+          <a:prstGeom prst="rect">
+            <a:avLst/>
+          </a:prstGeom>
+          <a:noFill/>
+          <a:extLst>
+            <a:ext uri="{909E8E84-426E-40DD-AFC4-6F175D3DCCD1}">
+              <a14:hiddenFill xmlns:a14="http://schemas.microsoft.com/office/drawing/2010/main">
+                <a:solidFill>
+                  <a:srgbClr val="FFFFFF"/>
+                </a:solidFill>
+              </a14:hiddenFill>
+            </a:ext>
+          </a:extLst>
+        </p:spPr>
+      </p:pic>
+      <p:pic>
+        <p:nvPicPr>
+          <p:cNvPr id="5" name="Picture 2">
+            <a:extLst>
+              <a:ext uri="{FF2B5EF4-FFF2-40B4-BE49-F238E27FC236}">
+                <a16:creationId xmlns:a16="http://schemas.microsoft.com/office/drawing/2014/main" id="{095112CE-09A0-CCDF-47DE-9D095CA1790C}"/>
+              </a:ext>
+            </a:extLst>
+          </p:cNvPr>
+          <p:cNvPicPr>
+            <a:picLocks noChangeArrowheads="1"/>
+          </p:cNvPicPr>
+          <p:nvPr/>
+        </p:nvPicPr>
+        <p:blipFill rotWithShape="1">
+          <a:blip r:embed="rId3">
+            <a:extLst>
+              <a:ext uri="{28A0092B-C50C-407E-A947-70E740481C1C}">
+                <a14:useLocalDpi xmlns:a14="http://schemas.microsoft.com/office/drawing/2010/main" val="0"/>
+              </a:ext>
+            </a:extLst>
+          </a:blip>
+          <a:srcRect l="70094" t="6816" r="1294" b="7403"/>
+          <a:stretch>
+            <a:fillRect/>
+          </a:stretch>
+        </p:blipFill>
+        <p:spPr bwMode="auto">
+          <a:xfrm>
+            <a:off x="10187897" y="2115263"/>
+            <a:ext cx="1856232" cy="1536192"/>
+          </a:xfrm>
+          <a:prstGeom prst="rect">
+            <a:avLst/>
+          </a:prstGeom>
+          <a:noFill/>
+          <a:extLst>
+            <a:ext uri="{909E8E84-426E-40DD-AFC4-6F175D3DCCD1}">
+              <a14:hiddenFill xmlns:a14="http://schemas.microsoft.com/office/drawing/2010/main">
+                <a:solidFill>
+                  <a:srgbClr val="FFFFFF"/>
+                </a:solidFill>
+              </a14:hiddenFill>
+            </a:ext>
+          </a:extLst>
+        </p:spPr>
+      </p:pic>
+      <p:pic>
+        <p:nvPicPr>
+          <p:cNvPr id="5124" name="Picture 4">
+            <a:extLst>
+              <a:ext uri="{FF2B5EF4-FFF2-40B4-BE49-F238E27FC236}">
+                <a16:creationId xmlns:a16="http://schemas.microsoft.com/office/drawing/2014/main" id="{B6CDA10C-8E15-9F79-F9CD-3823FD6BD6EE}"/>
+              </a:ext>
+            </a:extLst>
+          </p:cNvPr>
+          <p:cNvPicPr>
+            <a:picLocks noChangeArrowheads="1"/>
+          </p:cNvPicPr>
+          <p:nvPr/>
+        </p:nvPicPr>
+        <p:blipFill rotWithShape="1">
+          <a:blip r:embed="rId4">
+            <a:extLst>
+              <a:ext uri="{28A0092B-C50C-407E-A947-70E740481C1C}">
+                <a14:useLocalDpi xmlns:a14="http://schemas.microsoft.com/office/drawing/2010/main" val="0"/>
+              </a:ext>
+            </a:extLst>
+          </a:blip>
+          <a:srcRect l="70503" t="6875" r="1020" b="7470"/>
+          <a:stretch>
+            <a:fillRect/>
+          </a:stretch>
+        </p:blipFill>
+        <p:spPr bwMode="auto">
+          <a:xfrm>
+            <a:off x="8093651" y="2130174"/>
+            <a:ext cx="1856232" cy="1536192"/>
+          </a:xfrm>
+          <a:prstGeom prst="rect">
+            <a:avLst/>
+          </a:prstGeom>
+          <a:noFill/>
+          <a:extLst>
+            <a:ext uri="{909E8E84-426E-40DD-AFC4-6F175D3DCCD1}">
+              <a14:hiddenFill xmlns:a14="http://schemas.microsoft.com/office/drawing/2010/main">
+                <a:solidFill>
+                  <a:srgbClr val="FFFFFF"/>
+                </a:solidFill>
+              </a14:hiddenFill>
+            </a:ext>
+          </a:extLst>
+        </p:spPr>
+      </p:pic>
+      <p:pic>
+        <p:nvPicPr>
+          <p:cNvPr id="5126" name="Picture 6">
+            <a:extLst>
+              <a:ext uri="{FF2B5EF4-FFF2-40B4-BE49-F238E27FC236}">
+                <a16:creationId xmlns:a16="http://schemas.microsoft.com/office/drawing/2014/main" id="{49773EB7-1AE1-2E50-FEFA-7501CB9F0BBA}"/>
+              </a:ext>
+            </a:extLst>
+          </p:cNvPr>
+          <p:cNvPicPr>
+            <a:picLocks noChangeArrowheads="1"/>
+          </p:cNvPicPr>
+          <p:nvPr/>
+        </p:nvPicPr>
+        <p:blipFill rotWithShape="1">
+          <a:blip r:embed="rId5">
+            <a:extLst>
+              <a:ext uri="{28A0092B-C50C-407E-A947-70E740481C1C}">
+                <a14:useLocalDpi xmlns:a14="http://schemas.microsoft.com/office/drawing/2010/main" val="0"/>
+              </a:ext>
+            </a:extLst>
+          </a:blip>
+          <a:srcRect l="50999" t="4146" r="26108" b="4144"/>
+          <a:stretch>
+            <a:fillRect/>
+          </a:stretch>
+        </p:blipFill>
+        <p:spPr bwMode="auto">
+          <a:xfrm>
+            <a:off x="3861859" y="2130174"/>
+            <a:ext cx="1856232" cy="1536192"/>
+          </a:xfrm>
+          <a:prstGeom prst="rect">
+            <a:avLst/>
+          </a:prstGeom>
+          <a:noFill/>
+          <a:extLst>
+            <a:ext uri="{909E8E84-426E-40DD-AFC4-6F175D3DCCD1}">
+              <a14:hiddenFill xmlns:a14="http://schemas.microsoft.com/office/drawing/2010/main">
+                <a:solidFill>
+                  <a:srgbClr val="FFFFFF"/>
+                </a:solidFill>
+              </a14:hiddenFill>
+            </a:ext>
+          </a:extLst>
+        </p:spPr>
+      </p:pic>
+      <p:pic>
+        <p:nvPicPr>
+          <p:cNvPr id="6" name="Picture 6">
+            <a:extLst>
+              <a:ext uri="{FF2B5EF4-FFF2-40B4-BE49-F238E27FC236}">
+                <a16:creationId xmlns:a16="http://schemas.microsoft.com/office/drawing/2014/main" id="{19BC6291-BABA-76EA-874A-61A7F7AE1E1C}"/>
+              </a:ext>
+            </a:extLst>
+          </p:cNvPr>
+          <p:cNvPicPr>
+            <a:picLocks noChangeArrowheads="1"/>
+          </p:cNvPicPr>
+          <p:nvPr/>
+        </p:nvPicPr>
+        <p:blipFill rotWithShape="1">
+          <a:blip r:embed="rId5">
+            <a:extLst>
+              <a:ext uri="{28A0092B-C50C-407E-A947-70E740481C1C}">
+                <a14:useLocalDpi xmlns:a14="http://schemas.microsoft.com/office/drawing/2010/main" val="0"/>
+              </a:ext>
+            </a:extLst>
+          </a:blip>
+          <a:srcRect l="75715" t="4146" r="1214" b="4144"/>
+          <a:stretch>
+            <a:fillRect/>
+          </a:stretch>
+        </p:blipFill>
+        <p:spPr bwMode="auto">
+          <a:xfrm>
+            <a:off x="5978651" y="2130174"/>
+            <a:ext cx="1856232" cy="1536192"/>
+          </a:xfrm>
+          <a:prstGeom prst="rect">
+            <a:avLst/>
+          </a:prstGeom>
+          <a:noFill/>
+          <a:extLst>
+            <a:ext uri="{909E8E84-426E-40DD-AFC4-6F175D3DCCD1}">
+              <a14:hiddenFill xmlns:a14="http://schemas.microsoft.com/office/drawing/2010/main">
+                <a:solidFill>
+                  <a:srgbClr val="FFFFFF"/>
+                </a:solidFill>
+              </a14:hiddenFill>
+            </a:ext>
+          </a:extLst>
+        </p:spPr>
+      </p:pic>
+      <p:pic>
+        <p:nvPicPr>
+          <p:cNvPr id="7" name="Picture 2">
+            <a:extLst>
+              <a:ext uri="{FF2B5EF4-FFF2-40B4-BE49-F238E27FC236}">
+                <a16:creationId xmlns:a16="http://schemas.microsoft.com/office/drawing/2014/main" id="{128BF58B-C334-64FA-D2A0-FCA576B17EA8}"/>
+              </a:ext>
+            </a:extLst>
+          </p:cNvPr>
+          <p:cNvPicPr>
+            <a:picLocks noChangeArrowheads="1"/>
+          </p:cNvPicPr>
+          <p:nvPr/>
+        </p:nvPicPr>
+        <p:blipFill rotWithShape="1">
+          <a:blip r:embed="rId3">
+            <a:extLst>
+              <a:ext uri="{28A0092B-C50C-407E-A947-70E740481C1C}">
+                <a14:useLocalDpi xmlns:a14="http://schemas.microsoft.com/office/drawing/2010/main" val="0"/>
+              </a:ext>
+            </a:extLst>
+          </a:blip>
+          <a:srcRect l="37389" t="6321" r="33999" b="7899"/>
+          <a:stretch>
+            <a:fillRect/>
+          </a:stretch>
+        </p:blipFill>
+        <p:spPr bwMode="auto">
+          <a:xfrm>
+            <a:off x="1747755" y="3793985"/>
+            <a:ext cx="1856232" cy="1536192"/>
+          </a:xfrm>
+          <a:prstGeom prst="rect">
+            <a:avLst/>
+          </a:prstGeom>
+          <a:noFill/>
+          <a:extLst>
+            <a:ext uri="{909E8E84-426E-40DD-AFC4-6F175D3DCCD1}">
+              <a14:hiddenFill xmlns:a14="http://schemas.microsoft.com/office/drawing/2010/main">
+                <a:solidFill>
+                  <a:srgbClr val="FFFFFF"/>
+                </a:solidFill>
+              </a14:hiddenFill>
+            </a:ext>
+          </a:extLst>
+        </p:spPr>
+      </p:pic>
+      <p:pic>
+        <p:nvPicPr>
+          <p:cNvPr id="5128" name="Picture 8">
+            <a:extLst>
+              <a:ext uri="{FF2B5EF4-FFF2-40B4-BE49-F238E27FC236}">
+                <a16:creationId xmlns:a16="http://schemas.microsoft.com/office/drawing/2014/main" id="{B1743AB4-F918-6193-46D9-26318E0D249F}"/>
+              </a:ext>
+            </a:extLst>
+          </p:cNvPr>
+          <p:cNvPicPr>
+            <a:picLocks noChangeArrowheads="1"/>
+          </p:cNvPicPr>
+          <p:nvPr/>
+        </p:nvPicPr>
+        <p:blipFill rotWithShape="1">
+          <a:blip r:embed="rId6">
+            <a:extLst>
+              <a:ext uri="{28A0092B-C50C-407E-A947-70E740481C1C}">
+                <a14:useLocalDpi xmlns:a14="http://schemas.microsoft.com/office/drawing/2010/main" val="0"/>
+              </a:ext>
+            </a:extLst>
+          </a:blip>
+          <a:srcRect l="70350" t="6626" r="1317" b="7374"/>
+          <a:stretch>
+            <a:fillRect/>
+          </a:stretch>
+        </p:blipFill>
+        <p:spPr bwMode="auto">
+          <a:xfrm>
+            <a:off x="10187897" y="3790589"/>
+            <a:ext cx="1856232" cy="1536192"/>
+          </a:xfrm>
+          <a:prstGeom prst="rect">
+            <a:avLst/>
+          </a:prstGeom>
+          <a:noFill/>
+          <a:extLst>
+            <a:ext uri="{909E8E84-426E-40DD-AFC4-6F175D3DCCD1}">
+              <a14:hiddenFill xmlns:a14="http://schemas.microsoft.com/office/drawing/2010/main">
+                <a:solidFill>
+                  <a:srgbClr val="FFFFFF"/>
+                </a:solidFill>
+              </a14:hiddenFill>
+            </a:ext>
+          </a:extLst>
+        </p:spPr>
+      </p:pic>
+      <p:pic>
+        <p:nvPicPr>
+          <p:cNvPr id="5130" name="Picture 10">
+            <a:extLst>
+              <a:ext uri="{FF2B5EF4-FFF2-40B4-BE49-F238E27FC236}">
+                <a16:creationId xmlns:a16="http://schemas.microsoft.com/office/drawing/2014/main" id="{829FFCCA-28CF-FE11-D4FF-FD379D316760}"/>
+              </a:ext>
+            </a:extLst>
+          </p:cNvPr>
+          <p:cNvPicPr>
+            <a:picLocks noChangeArrowheads="1"/>
+          </p:cNvPicPr>
+          <p:nvPr/>
+        </p:nvPicPr>
+        <p:blipFill rotWithShape="1">
+          <a:blip r:embed="rId7">
+            <a:extLst>
+              <a:ext uri="{28A0092B-C50C-407E-A947-70E740481C1C}">
+                <a14:useLocalDpi xmlns:a14="http://schemas.microsoft.com/office/drawing/2010/main" val="0"/>
+              </a:ext>
+            </a:extLst>
+          </a:blip>
+          <a:srcRect l="70440" t="6125" r="1390" b="7210"/>
+          <a:stretch>
+            <a:fillRect/>
+          </a:stretch>
+        </p:blipFill>
+        <p:spPr bwMode="auto">
+          <a:xfrm>
+            <a:off x="8093651" y="3790589"/>
+            <a:ext cx="1856232" cy="1536192"/>
+          </a:xfrm>
+          <a:prstGeom prst="rect">
+            <a:avLst/>
+          </a:prstGeom>
+          <a:noFill/>
+          <a:extLst>
+            <a:ext uri="{909E8E84-426E-40DD-AFC4-6F175D3DCCD1}">
+              <a14:hiddenFill xmlns:a14="http://schemas.microsoft.com/office/drawing/2010/main">
+                <a:solidFill>
+                  <a:srgbClr val="FFFFFF"/>
+                </a:solidFill>
+              </a14:hiddenFill>
+            </a:ext>
+          </a:extLst>
+        </p:spPr>
+      </p:pic>
     </p:spTree>
     <p:extLst>
       <p:ext uri="{BB962C8B-B14F-4D97-AF65-F5344CB8AC3E}">
-        <p14:creationId xmlns:p14="http://schemas.microsoft.com/office/powerpoint/2010/main" val="4016978043"/>
+        <p14:creationId xmlns:p14="http://schemas.microsoft.com/office/powerpoint/2010/main" val="1677164296"/>
       </p:ext>
     </p:extLst>
   </p:cSld>
@@ -3831,7 +5759,7 @@
 </p:sld>
 </file>
 
-<file path=ppt/slides/slide3.xml><?xml version="1.0" encoding="utf-8"?>
+<file path=ppt/slides/slide4.xml><?xml version="1.0" encoding="utf-8"?>
 <p:sld xmlns:a="http://schemas.openxmlformats.org/drawingml/2006/main" xmlns:r="http://schemas.openxmlformats.org/officeDocument/2006/relationships" xmlns:p="http://schemas.openxmlformats.org/presentationml/2006/main">
   <p:cSld>
     <p:spTree>
@@ -3839,7 +5767,7 @@
         <p:cNvPr id="1" name="">
           <a:extLst>
             <a:ext uri="{FF2B5EF4-FFF2-40B4-BE49-F238E27FC236}">
-              <a16:creationId xmlns:a16="http://schemas.microsoft.com/office/drawing/2014/main" id="{678517AA-CDAE-0C03-1EF2-154F7D4FFED2}"/>
+              <a16:creationId xmlns:a16="http://schemas.microsoft.com/office/drawing/2014/main" id="{A4529585-291D-D5A4-CE26-815665102977}"/>
             </a:ext>
           </a:extLst>
         </p:cNvPr>
@@ -3856,15 +5784,15 @@
       </p:grpSpPr>
       <p:pic>
         <p:nvPicPr>
-          <p:cNvPr id="1026" name="Picture 2">
-            <a:extLst>
-              <a:ext uri="{FF2B5EF4-FFF2-40B4-BE49-F238E27FC236}">
-                <a16:creationId xmlns:a16="http://schemas.microsoft.com/office/drawing/2014/main" id="{B3F8FC41-F582-4332-DEEC-1DB35FE51232}"/>
+          <p:cNvPr id="3" name="Picture 4" descr="card">
+            <a:extLst>
+              <a:ext uri="{FF2B5EF4-FFF2-40B4-BE49-F238E27FC236}">
+                <a16:creationId xmlns:a16="http://schemas.microsoft.com/office/drawing/2014/main" id="{E0C005F6-E301-8C85-2032-841E8B607C3D}"/>
               </a:ext>
             </a:extLst>
           </p:cNvPr>
           <p:cNvPicPr>
-            <a:picLocks noChangeAspect="1" noChangeArrowheads="1"/>
+            <a:picLocks noChangeArrowheads="1"/>
           </p:cNvPicPr>
           <p:nvPr/>
         </p:nvPicPr>
@@ -3876,15 +5804,15 @@
               </a:ext>
             </a:extLst>
           </a:blip>
-          <a:srcRect l="-1" r="-5" b="59614"/>
+          <a:srcRect l="75642" t="4183" r="1889" b="4705"/>
           <a:stretch>
             <a:fillRect/>
           </a:stretch>
         </p:blipFill>
         <p:spPr bwMode="auto">
           <a:xfrm>
-            <a:off x="2854532" y="59635"/>
-            <a:ext cx="6110563" cy="2769705"/>
+            <a:off x="8116198" y="2120333"/>
+            <a:ext cx="1812931" cy="1536192"/>
           </a:xfrm>
           <a:prstGeom prst="rect">
             <a:avLst/>
@@ -3901,12 +5829,84 @@
           </a:extLst>
         </p:spPr>
       </p:pic>
+      <p:sp>
+        <p:nvSpPr>
+          <p:cNvPr id="9" name="TextBox 8">
+            <a:extLst>
+              <a:ext uri="{FF2B5EF4-FFF2-40B4-BE49-F238E27FC236}">
+                <a16:creationId xmlns:a16="http://schemas.microsoft.com/office/drawing/2014/main" id="{DECDC9E7-063D-0BE5-D691-374D3B93F37E}"/>
+              </a:ext>
+            </a:extLst>
+          </p:cNvPr>
+          <p:cNvSpPr txBox="1"/>
+          <p:nvPr/>
+        </p:nvSpPr>
+        <p:spPr>
+          <a:xfrm>
+            <a:off x="124428" y="2614002"/>
+            <a:ext cx="1408176" cy="369332"/>
+          </a:xfrm>
+          <a:prstGeom prst="rect">
+            <a:avLst/>
+          </a:prstGeom>
+          <a:noFill/>
+        </p:spPr>
+        <p:txBody>
+          <a:bodyPr wrap="square" rtlCol="0">
+            <a:spAutoFit/>
+          </a:bodyPr>
+          <a:lstStyle/>
+          <a:p>
+            <a:pPr algn="ctr"/>
+            <a:r>
+              <a:rPr lang="en-US" dirty="0"/>
+              <a:t>Results</a:t>
+            </a:r>
+          </a:p>
+        </p:txBody>
+      </p:sp>
+      <p:sp>
+        <p:nvSpPr>
+          <p:cNvPr id="18" name="TextBox 17">
+            <a:extLst>
+              <a:ext uri="{FF2B5EF4-FFF2-40B4-BE49-F238E27FC236}">
+                <a16:creationId xmlns:a16="http://schemas.microsoft.com/office/drawing/2014/main" id="{B5879461-9190-274C-5669-66F654D873EA}"/>
+              </a:ext>
+            </a:extLst>
+          </p:cNvPr>
+          <p:cNvSpPr txBox="1"/>
+          <p:nvPr/>
+        </p:nvSpPr>
+        <p:spPr>
+          <a:xfrm>
+            <a:off x="124428" y="852315"/>
+            <a:ext cx="1408176" cy="369332"/>
+          </a:xfrm>
+          <a:prstGeom prst="rect">
+            <a:avLst/>
+          </a:prstGeom>
+          <a:noFill/>
+        </p:spPr>
+        <p:txBody>
+          <a:bodyPr wrap="square" rtlCol="0">
+            <a:spAutoFit/>
+          </a:bodyPr>
+          <a:lstStyle/>
+          <a:p>
+            <a:pPr algn="ctr"/>
+            <a:r>
+              <a:rPr lang="en-US" dirty="0"/>
+              <a:t>From paper</a:t>
+            </a:r>
+          </a:p>
+        </p:txBody>
+      </p:sp>
       <p:pic>
         <p:nvPicPr>
-          <p:cNvPr id="4" name="Picture 2">
-            <a:extLst>
-              <a:ext uri="{FF2B5EF4-FFF2-40B4-BE49-F238E27FC236}">
-                <a16:creationId xmlns:a16="http://schemas.microsoft.com/office/drawing/2014/main" id="{7EA88B5F-0B2D-0F87-FBB0-90C781FE7A5F}"/>
+          <p:cNvPr id="6146" name="Picture 2">
+            <a:extLst>
+              <a:ext uri="{FF2B5EF4-FFF2-40B4-BE49-F238E27FC236}">
+                <a16:creationId xmlns:a16="http://schemas.microsoft.com/office/drawing/2014/main" id="{69EDAD0F-2083-6B70-3586-0A752D63BCE4}"/>
               </a:ext>
             </a:extLst>
           </p:cNvPr>
@@ -3916,22 +5916,22 @@
           <p:nvPr/>
         </p:nvPicPr>
         <p:blipFill rotWithShape="1">
-          <a:blip r:embed="rId2">
+          <a:blip r:embed="rId3">
             <a:extLst>
               <a:ext uri="{28A0092B-C50C-407E-A947-70E740481C1C}">
                 <a14:useLocalDpi xmlns:a14="http://schemas.microsoft.com/office/drawing/2010/main" val="0"/>
               </a:ext>
             </a:extLst>
           </a:blip>
-          <a:srcRect t="97681"/>
+          <a:srcRect t="53582" b="25273"/>
           <a:stretch>
             <a:fillRect/>
           </a:stretch>
         </p:blipFill>
         <p:spPr bwMode="auto">
           <a:xfrm>
-            <a:off x="2854808" y="2968486"/>
-            <a:ext cx="6110287" cy="159026"/>
+            <a:off x="1745963" y="395891"/>
+            <a:ext cx="8183166" cy="1581912"/>
           </a:xfrm>
           <a:prstGeom prst="rect">
             <a:avLst/>
@@ -3948,10 +5948,151 @@
           </a:extLst>
         </p:spPr>
       </p:pic>
+      <p:pic>
+        <p:nvPicPr>
+          <p:cNvPr id="2" name="Picture 2">
+            <a:extLst>
+              <a:ext uri="{FF2B5EF4-FFF2-40B4-BE49-F238E27FC236}">
+                <a16:creationId xmlns:a16="http://schemas.microsoft.com/office/drawing/2014/main" id="{BC614F6D-0C03-5102-AE47-988A17623424}"/>
+              </a:ext>
+            </a:extLst>
+          </p:cNvPr>
+          <p:cNvPicPr>
+            <a:picLocks noChangeAspect="1" noChangeArrowheads="1"/>
+          </p:cNvPicPr>
+          <p:nvPr/>
+        </p:nvPicPr>
+        <p:blipFill rotWithShape="1">
+          <a:blip r:embed="rId3">
+            <a:extLst>
+              <a:ext uri="{28A0092B-C50C-407E-A947-70E740481C1C}">
+                <a14:useLocalDpi xmlns:a14="http://schemas.microsoft.com/office/drawing/2010/main" val="0"/>
+              </a:ext>
+            </a:extLst>
+          </a:blip>
+          <a:srcRect b="97033"/>
+          <a:stretch>
+            <a:fillRect/>
+          </a:stretch>
+        </p:blipFill>
+        <p:spPr bwMode="auto">
+          <a:xfrm>
+            <a:off x="1625389" y="178540"/>
+            <a:ext cx="8303740" cy="217351"/>
+          </a:xfrm>
+          <a:prstGeom prst="rect">
+            <a:avLst/>
+          </a:prstGeom>
+          <a:noFill/>
+          <a:extLst>
+            <a:ext uri="{909E8E84-426E-40DD-AFC4-6F175D3DCCD1}">
+              <a14:hiddenFill xmlns:a14="http://schemas.microsoft.com/office/drawing/2010/main">
+                <a:solidFill>
+                  <a:srgbClr val="FFFFFF"/>
+                </a:solidFill>
+              </a14:hiddenFill>
+            </a:ext>
+          </a:extLst>
+        </p:spPr>
+      </p:pic>
+      <p:pic>
+        <p:nvPicPr>
+          <p:cNvPr id="6148" name="Picture 4" descr="card">
+            <a:extLst>
+              <a:ext uri="{FF2B5EF4-FFF2-40B4-BE49-F238E27FC236}">
+                <a16:creationId xmlns:a16="http://schemas.microsoft.com/office/drawing/2014/main" id="{FA533035-C366-C292-F632-7FC4927B2D53}"/>
+              </a:ext>
+            </a:extLst>
+          </p:cNvPr>
+          <p:cNvPicPr>
+            <a:picLocks noChangeArrowheads="1"/>
+          </p:cNvPicPr>
+          <p:nvPr/>
+        </p:nvPicPr>
+        <p:blipFill rotWithShape="1">
+          <a:blip r:embed="rId2">
+            <a:extLst>
+              <a:ext uri="{28A0092B-C50C-407E-A947-70E740481C1C}">
+                <a14:useLocalDpi xmlns:a14="http://schemas.microsoft.com/office/drawing/2010/main" val="0"/>
+              </a:ext>
+            </a:extLst>
+          </a:blip>
+          <a:srcRect l="50908" t="4468" r="26029" b="4125"/>
+          <a:stretch>
+            <a:fillRect/>
+          </a:stretch>
+        </p:blipFill>
+        <p:spPr bwMode="auto">
+          <a:xfrm>
+            <a:off x="5963851" y="2137116"/>
+            <a:ext cx="1856232" cy="1536192"/>
+          </a:xfrm>
+          <a:prstGeom prst="rect">
+            <a:avLst/>
+          </a:prstGeom>
+          <a:noFill/>
+          <a:extLst>
+            <a:ext uri="{909E8E84-426E-40DD-AFC4-6F175D3DCCD1}">
+              <a14:hiddenFill xmlns:a14="http://schemas.microsoft.com/office/drawing/2010/main">
+                <a:solidFill>
+                  <a:srgbClr val="FFFFFF"/>
+                </a:solidFill>
+              </a14:hiddenFill>
+            </a:ext>
+          </a:extLst>
+        </p:spPr>
+      </p:pic>
+      <p:pic>
+        <p:nvPicPr>
+          <p:cNvPr id="8" name="Picture 2">
+            <a:extLst>
+              <a:ext uri="{FF2B5EF4-FFF2-40B4-BE49-F238E27FC236}">
+                <a16:creationId xmlns:a16="http://schemas.microsoft.com/office/drawing/2014/main" id="{7223E0EA-875D-E249-54E4-E684BC024435}"/>
+              </a:ext>
+            </a:extLst>
+          </p:cNvPr>
+          <p:cNvPicPr>
+            <a:picLocks noChangeArrowheads="1"/>
+          </p:cNvPicPr>
+          <p:nvPr/>
+        </p:nvPicPr>
+        <p:blipFill rotWithShape="1">
+          <a:blip r:embed="rId3">
+            <a:extLst>
+              <a:ext uri="{28A0092B-C50C-407E-A947-70E740481C1C}">
+                <a14:useLocalDpi xmlns:a14="http://schemas.microsoft.com/office/drawing/2010/main" val="0"/>
+              </a:ext>
+            </a:extLst>
+          </a:blip>
+          <a:srcRect t="53582" r="51858" b="25273"/>
+          <a:stretch>
+            <a:fillRect/>
+          </a:stretch>
+        </p:blipFill>
+        <p:spPr bwMode="auto">
+          <a:xfrm>
+            <a:off x="1728260" y="2137116"/>
+            <a:ext cx="3939477" cy="1536192"/>
+          </a:xfrm>
+          <a:prstGeom prst="rect">
+            <a:avLst/>
+          </a:prstGeom>
+          <a:noFill/>
+          <a:extLst>
+            <a:ext uri="{909E8E84-426E-40DD-AFC4-6F175D3DCCD1}">
+              <a14:hiddenFill xmlns:a14="http://schemas.microsoft.com/office/drawing/2010/main">
+                <a:solidFill>
+                  <a:srgbClr val="FFFFFF"/>
+                </a:solidFill>
+              </a14:hiddenFill>
+            </a:ext>
+          </a:extLst>
+        </p:spPr>
+      </p:pic>
     </p:spTree>
     <p:extLst>
       <p:ext uri="{BB962C8B-B14F-4D97-AF65-F5344CB8AC3E}">
-        <p14:creationId xmlns:p14="http://schemas.microsoft.com/office/powerpoint/2010/main" val="3424876994"/>
+        <p14:creationId xmlns:p14="http://schemas.microsoft.com/office/powerpoint/2010/main" val="3964915295"/>
       </p:ext>
     </p:extLst>
   </p:cSld>

--- a/imagenesrepresentativas.pptx
+++ b/imagenesrepresentativas.pptx
@@ -3346,62 +3346,15 @@
               </a:ext>
             </a:extLst>
           </a:blip>
-          <a:srcRect l="-1" r="17020" b="86473"/>
+          <a:srcRect l="-1" t="2422" r="17020" b="86473"/>
           <a:stretch>
             <a:fillRect/>
           </a:stretch>
         </p:blipFill>
         <p:spPr bwMode="auto">
           <a:xfrm>
-            <a:off x="1745963" y="92765"/>
-            <a:ext cx="10321609" cy="1888433"/>
-          </a:xfrm>
-          <a:prstGeom prst="rect">
-            <a:avLst/>
-          </a:prstGeom>
-          <a:noFill/>
-          <a:extLst>
-            <a:ext uri="{909E8E84-426E-40DD-AFC4-6F175D3DCCD1}">
-              <a14:hiddenFill xmlns:a14="http://schemas.microsoft.com/office/drawing/2010/main">
-                <a:solidFill>
-                  <a:srgbClr val="FFFFFF"/>
-                </a:solidFill>
-              </a14:hiddenFill>
-            </a:ext>
-          </a:extLst>
-        </p:spPr>
-      </p:pic>
-      <p:pic>
-        <p:nvPicPr>
-          <p:cNvPr id="4" name="Picture 2">
-            <a:extLst>
-              <a:ext uri="{FF2B5EF4-FFF2-40B4-BE49-F238E27FC236}">
-                <a16:creationId xmlns:a16="http://schemas.microsoft.com/office/drawing/2014/main" id="{EBBB50BB-5E55-86F3-7C5B-164998E24B8D}"/>
-              </a:ext>
-            </a:extLst>
-          </p:cNvPr>
-          <p:cNvPicPr>
-            <a:picLocks noChangeAspect="1" noChangeArrowheads="1"/>
-          </p:cNvPicPr>
-          <p:nvPr/>
-        </p:nvPicPr>
-        <p:blipFill rotWithShape="1">
-          <a:blip r:embed="rId2">
-            <a:extLst>
-              <a:ext uri="{28A0092B-C50C-407E-A947-70E740481C1C}">
-                <a14:useLocalDpi xmlns:a14="http://schemas.microsoft.com/office/drawing/2010/main" val="0"/>
-              </a:ext>
-            </a:extLst>
-          </a:blip>
-          <a:srcRect t="97681"/>
-          <a:stretch>
-            <a:fillRect/>
-          </a:stretch>
-        </p:blipFill>
-        <p:spPr bwMode="auto">
-          <a:xfrm>
-            <a:off x="4069359" y="5472707"/>
-            <a:ext cx="6110287" cy="159026"/>
+            <a:off x="1745963" y="430885"/>
+            <a:ext cx="10321609" cy="1550313"/>
           </a:xfrm>
           <a:prstGeom prst="rect">
             <a:avLst/>
@@ -4076,6 +4029,425 @@
           </a:p>
         </p:txBody>
       </p:sp>
+      <p:grpSp>
+        <p:nvGrpSpPr>
+          <p:cNvPr id="28" name="Group 27">
+            <a:extLst>
+              <a:ext uri="{FF2B5EF4-FFF2-40B4-BE49-F238E27FC236}">
+                <a16:creationId xmlns:a16="http://schemas.microsoft.com/office/drawing/2014/main" id="{EBD28F9E-33E0-202B-956E-B8D69BC6F30A}"/>
+              </a:ext>
+            </a:extLst>
+          </p:cNvPr>
+          <p:cNvGrpSpPr/>
+          <p:nvPr/>
+        </p:nvGrpSpPr>
+        <p:grpSpPr>
+          <a:xfrm>
+            <a:off x="5124091" y="5394426"/>
+            <a:ext cx="4065917" cy="230832"/>
+            <a:chOff x="5124091" y="5394426"/>
+            <a:chExt cx="4065917" cy="230832"/>
+          </a:xfrm>
+        </p:grpSpPr>
+        <p:sp>
+          <p:nvSpPr>
+            <p:cNvPr id="23" name="TextBox 22">
+              <a:extLst>
+                <a:ext uri="{FF2B5EF4-FFF2-40B4-BE49-F238E27FC236}">
+                  <a16:creationId xmlns:a16="http://schemas.microsoft.com/office/drawing/2014/main" id="{41080B93-386D-26B3-2475-9EF39C56B2DC}"/>
+                </a:ext>
+              </a:extLst>
+            </p:cNvPr>
+            <p:cNvSpPr txBox="1"/>
+            <p:nvPr/>
+          </p:nvSpPr>
+          <p:spPr>
+            <a:xfrm>
+              <a:off x="5580943" y="5394426"/>
+              <a:ext cx="2047336" cy="230832"/>
+            </a:xfrm>
+            <a:prstGeom prst="rect">
+              <a:avLst/>
+            </a:prstGeom>
+            <a:noFill/>
+          </p:spPr>
+          <p:txBody>
+            <a:bodyPr wrap="square" rtlCol="0">
+              <a:spAutoFit/>
+            </a:bodyPr>
+            <a:lstStyle/>
+            <a:p>
+              <a:r>
+                <a:rPr lang="en-US" sz="900" dirty="0">
+                  <a:latin typeface="Times New Roman" panose="02020603050405020304" pitchFamily="18" charset="0"/>
+                  <a:cs typeface="Times New Roman" panose="02020603050405020304" pitchFamily="18" charset="0"/>
+                </a:rPr>
+                <a:t>Segmentation results of various methods</a:t>
+              </a:r>
+            </a:p>
+          </p:txBody>
+        </p:sp>
+        <p:sp>
+          <p:nvSpPr>
+            <p:cNvPr id="24" name="TextBox 23">
+              <a:extLst>
+                <a:ext uri="{FF2B5EF4-FFF2-40B4-BE49-F238E27FC236}">
+                  <a16:creationId xmlns:a16="http://schemas.microsoft.com/office/drawing/2014/main" id="{496CB712-11AD-2447-866A-5FB8C00D81AA}"/>
+                </a:ext>
+              </a:extLst>
+            </p:cNvPr>
+            <p:cNvSpPr txBox="1"/>
+            <p:nvPr/>
+          </p:nvSpPr>
+          <p:spPr>
+            <a:xfrm>
+              <a:off x="8378777" y="5394426"/>
+              <a:ext cx="811231" cy="230832"/>
+            </a:xfrm>
+            <a:prstGeom prst="rect">
+              <a:avLst/>
+            </a:prstGeom>
+            <a:noFill/>
+          </p:spPr>
+          <p:txBody>
+            <a:bodyPr wrap="square" rtlCol="0">
+              <a:spAutoFit/>
+            </a:bodyPr>
+            <a:lstStyle/>
+            <a:p>
+              <a:r>
+                <a:rPr lang="en-US" sz="900" dirty="0">
+                  <a:latin typeface="Times New Roman" panose="02020603050405020304" pitchFamily="18" charset="0"/>
+                  <a:cs typeface="Times New Roman" panose="02020603050405020304" pitchFamily="18" charset="0"/>
+                </a:rPr>
+                <a:t>Ground truth</a:t>
+              </a:r>
+            </a:p>
+          </p:txBody>
+        </p:sp>
+        <p:cxnSp>
+          <p:nvCxnSpPr>
+            <p:cNvPr id="26" name="Straight Connector 25">
+              <a:extLst>
+                <a:ext uri="{FF2B5EF4-FFF2-40B4-BE49-F238E27FC236}">
+                  <a16:creationId xmlns:a16="http://schemas.microsoft.com/office/drawing/2014/main" id="{4A609649-C757-3ECF-4008-75BE03146A9C}"/>
+                </a:ext>
+              </a:extLst>
+            </p:cNvPr>
+            <p:cNvCxnSpPr/>
+            <p:nvPr/>
+          </p:nvCxnSpPr>
+          <p:spPr>
+            <a:xfrm>
+              <a:off x="5124091" y="5515155"/>
+              <a:ext cx="506083" cy="0"/>
+            </a:xfrm>
+            <a:prstGeom prst="line">
+              <a:avLst/>
+            </a:prstGeom>
+            <a:ln w="57150">
+              <a:solidFill>
+                <a:srgbClr val="FF0000"/>
+              </a:solidFill>
+            </a:ln>
+          </p:spPr>
+          <p:style>
+            <a:lnRef idx="2">
+              <a:schemeClr val="accent1"/>
+            </a:lnRef>
+            <a:fillRef idx="0">
+              <a:schemeClr val="accent1"/>
+            </a:fillRef>
+            <a:effectRef idx="1">
+              <a:schemeClr val="accent1"/>
+            </a:effectRef>
+            <a:fontRef idx="minor">
+              <a:schemeClr val="tx1"/>
+            </a:fontRef>
+          </p:style>
+        </p:cxnSp>
+        <p:cxnSp>
+          <p:nvCxnSpPr>
+            <p:cNvPr id="27" name="Straight Connector 26">
+              <a:extLst>
+                <a:ext uri="{FF2B5EF4-FFF2-40B4-BE49-F238E27FC236}">
+                  <a16:creationId xmlns:a16="http://schemas.microsoft.com/office/drawing/2014/main" id="{C96C12D2-F0EC-03D3-6441-0D638A02A980}"/>
+                </a:ext>
+              </a:extLst>
+            </p:cNvPr>
+            <p:cNvCxnSpPr/>
+            <p:nvPr/>
+          </p:nvCxnSpPr>
+          <p:spPr>
+            <a:xfrm>
+              <a:off x="7872694" y="5512280"/>
+              <a:ext cx="506083" cy="0"/>
+            </a:xfrm>
+            <a:prstGeom prst="line">
+              <a:avLst/>
+            </a:prstGeom>
+            <a:ln w="57150"/>
+          </p:spPr>
+          <p:style>
+            <a:lnRef idx="2">
+              <a:schemeClr val="accent6"/>
+            </a:lnRef>
+            <a:fillRef idx="0">
+              <a:schemeClr val="accent6"/>
+            </a:fillRef>
+            <a:effectRef idx="1">
+              <a:schemeClr val="accent6"/>
+            </a:effectRef>
+            <a:fontRef idx="minor">
+              <a:schemeClr val="tx1"/>
+            </a:fontRef>
+          </p:style>
+        </p:cxnSp>
+      </p:grpSp>
+      <p:grpSp>
+        <p:nvGrpSpPr>
+          <p:cNvPr id="34" name="Group 33">
+            <a:extLst>
+              <a:ext uri="{FF2B5EF4-FFF2-40B4-BE49-F238E27FC236}">
+                <a16:creationId xmlns:a16="http://schemas.microsoft.com/office/drawing/2014/main" id="{09902235-D678-0212-7302-63B2BDC4659C}"/>
+              </a:ext>
+            </a:extLst>
+          </p:cNvPr>
+          <p:cNvGrpSpPr/>
+          <p:nvPr/>
+        </p:nvGrpSpPr>
+        <p:grpSpPr>
+          <a:xfrm>
+            <a:off x="2249715" y="-2"/>
+            <a:ext cx="9552864" cy="430889"/>
+            <a:chOff x="2249715" y="-2"/>
+            <a:chExt cx="9552864" cy="430889"/>
+          </a:xfrm>
+        </p:grpSpPr>
+        <p:sp>
+          <p:nvSpPr>
+            <p:cNvPr id="29" name="TextBox 28">
+              <a:extLst>
+                <a:ext uri="{FF2B5EF4-FFF2-40B4-BE49-F238E27FC236}">
+                  <a16:creationId xmlns:a16="http://schemas.microsoft.com/office/drawing/2014/main" id="{B9C12974-73B3-84FD-6ED5-8DE0C5C273CD}"/>
+                </a:ext>
+              </a:extLst>
+            </p:cNvPr>
+            <p:cNvSpPr txBox="1"/>
+            <p:nvPr/>
+          </p:nvSpPr>
+          <p:spPr>
+            <a:xfrm>
+              <a:off x="2249715" y="0"/>
+              <a:ext cx="1161143" cy="430887"/>
+            </a:xfrm>
+            <a:prstGeom prst="rect">
+              <a:avLst/>
+            </a:prstGeom>
+            <a:noFill/>
+          </p:spPr>
+          <p:txBody>
+            <a:bodyPr wrap="square" rtlCol="0">
+              <a:spAutoFit/>
+            </a:bodyPr>
+            <a:lstStyle/>
+            <a:p>
+              <a:r>
+                <a:rPr lang="en-US" sz="2200" dirty="0">
+                  <a:latin typeface="Times New Roman" panose="02020603050405020304" pitchFamily="18" charset="0"/>
+                  <a:cs typeface="Times New Roman" panose="02020603050405020304" pitchFamily="18" charset="0"/>
+                </a:rPr>
+                <a:t>Images</a:t>
+              </a:r>
+            </a:p>
+          </p:txBody>
+        </p:sp>
+        <p:sp>
+          <p:nvSpPr>
+            <p:cNvPr id="30" name="TextBox 29">
+              <a:extLst>
+                <a:ext uri="{FF2B5EF4-FFF2-40B4-BE49-F238E27FC236}">
+                  <a16:creationId xmlns:a16="http://schemas.microsoft.com/office/drawing/2014/main" id="{9D8B4AFB-449F-2F6F-FE0B-4DDE14DD8373}"/>
+                </a:ext>
+              </a:extLst>
+            </p:cNvPr>
+            <p:cNvSpPr txBox="1"/>
+            <p:nvPr/>
+          </p:nvSpPr>
+          <p:spPr>
+            <a:xfrm>
+              <a:off x="4558740" y="0"/>
+              <a:ext cx="1161143" cy="430887"/>
+            </a:xfrm>
+            <a:prstGeom prst="rect">
+              <a:avLst/>
+            </a:prstGeom>
+            <a:noFill/>
+          </p:spPr>
+          <p:txBody>
+            <a:bodyPr wrap="square" rtlCol="0">
+              <a:spAutoFit/>
+            </a:bodyPr>
+            <a:lstStyle/>
+            <a:p>
+              <a:r>
+                <a:rPr lang="en-US" sz="2200" dirty="0">
+                  <a:latin typeface="Times New Roman" panose="02020603050405020304" pitchFamily="18" charset="0"/>
+                  <a:cs typeface="Times New Roman" panose="02020603050405020304" pitchFamily="18" charset="0"/>
+                </a:rPr>
+                <a:t>G</a:t>
+              </a:r>
+              <a:r>
+                <a:rPr lang="en-US" sz="2200" baseline="-25000" dirty="0">
+                  <a:latin typeface="Times New Roman" panose="02020603050405020304" pitchFamily="18" charset="0"/>
+                  <a:cs typeface="Times New Roman" panose="02020603050405020304" pitchFamily="18" charset="0"/>
+                </a:rPr>
+                <a:t>1</a:t>
+              </a:r>
+              <a:endParaRPr lang="en-US" sz="2200" dirty="0">
+                <a:latin typeface="Times New Roman" panose="02020603050405020304" pitchFamily="18" charset="0"/>
+                <a:cs typeface="Times New Roman" panose="02020603050405020304" pitchFamily="18" charset="0"/>
+              </a:endParaRPr>
+            </a:p>
+          </p:txBody>
+        </p:sp>
+        <p:sp>
+          <p:nvSpPr>
+            <p:cNvPr id="31" name="TextBox 30">
+              <a:extLst>
+                <a:ext uri="{FF2B5EF4-FFF2-40B4-BE49-F238E27FC236}">
+                  <a16:creationId xmlns:a16="http://schemas.microsoft.com/office/drawing/2014/main" id="{10A5FD11-1E84-D71E-F611-C0AF72809D86}"/>
+                </a:ext>
+              </a:extLst>
+            </p:cNvPr>
+            <p:cNvSpPr txBox="1"/>
+            <p:nvPr/>
+          </p:nvSpPr>
+          <p:spPr>
+            <a:xfrm>
+              <a:off x="6674636" y="0"/>
+              <a:ext cx="1161143" cy="430887"/>
+            </a:xfrm>
+            <a:prstGeom prst="rect">
+              <a:avLst/>
+            </a:prstGeom>
+            <a:noFill/>
+          </p:spPr>
+          <p:txBody>
+            <a:bodyPr wrap="square" rtlCol="0">
+              <a:spAutoFit/>
+            </a:bodyPr>
+            <a:lstStyle/>
+            <a:p>
+              <a:r>
+                <a:rPr lang="en-US" sz="2200" dirty="0">
+                  <a:latin typeface="Times New Roman" panose="02020603050405020304" pitchFamily="18" charset="0"/>
+                  <a:cs typeface="Times New Roman" panose="02020603050405020304" pitchFamily="18" charset="0"/>
+                </a:rPr>
+                <a:t>G</a:t>
+              </a:r>
+              <a:r>
+                <a:rPr lang="en-US" sz="2200" baseline="-25000" dirty="0">
+                  <a:latin typeface="Times New Roman" panose="02020603050405020304" pitchFamily="18" charset="0"/>
+                  <a:cs typeface="Times New Roman" panose="02020603050405020304" pitchFamily="18" charset="0"/>
+                </a:rPr>
+                <a:t>2</a:t>
+              </a:r>
+              <a:endParaRPr lang="en-US" sz="2200" dirty="0">
+                <a:latin typeface="Times New Roman" panose="02020603050405020304" pitchFamily="18" charset="0"/>
+                <a:cs typeface="Times New Roman" panose="02020603050405020304" pitchFamily="18" charset="0"/>
+              </a:endParaRPr>
+            </a:p>
+          </p:txBody>
+        </p:sp>
+        <p:sp>
+          <p:nvSpPr>
+            <p:cNvPr id="32" name="TextBox 31">
+              <a:extLst>
+                <a:ext uri="{FF2B5EF4-FFF2-40B4-BE49-F238E27FC236}">
+                  <a16:creationId xmlns:a16="http://schemas.microsoft.com/office/drawing/2014/main" id="{D49179A5-4A95-9E50-2CC1-E6F19DD7AC87}"/>
+                </a:ext>
+              </a:extLst>
+            </p:cNvPr>
+            <p:cNvSpPr txBox="1"/>
+            <p:nvPr/>
+          </p:nvSpPr>
+          <p:spPr>
+            <a:xfrm>
+              <a:off x="8609436" y="-1"/>
+              <a:ext cx="1161143" cy="430887"/>
+            </a:xfrm>
+            <a:prstGeom prst="rect">
+              <a:avLst/>
+            </a:prstGeom>
+            <a:noFill/>
+          </p:spPr>
+          <p:txBody>
+            <a:bodyPr wrap="square" rtlCol="0">
+              <a:spAutoFit/>
+            </a:bodyPr>
+            <a:lstStyle/>
+            <a:p>
+              <a:r>
+                <a:rPr lang="en-US" sz="2200" dirty="0" err="1">
+                  <a:latin typeface="Times New Roman" panose="02020603050405020304" pitchFamily="18" charset="0"/>
+                  <a:cs typeface="Times New Roman" panose="02020603050405020304" pitchFamily="18" charset="0"/>
+                </a:rPr>
+                <a:t>UNet</a:t>
+              </a:r>
+              <a:endParaRPr lang="en-US" sz="2200" dirty="0">
+                <a:latin typeface="Times New Roman" panose="02020603050405020304" pitchFamily="18" charset="0"/>
+                <a:cs typeface="Times New Roman" panose="02020603050405020304" pitchFamily="18" charset="0"/>
+              </a:endParaRPr>
+            </a:p>
+          </p:txBody>
+        </p:sp>
+        <p:sp>
+          <p:nvSpPr>
+            <p:cNvPr id="33" name="TextBox 32">
+              <a:extLst>
+                <a:ext uri="{FF2B5EF4-FFF2-40B4-BE49-F238E27FC236}">
+                  <a16:creationId xmlns:a16="http://schemas.microsoft.com/office/drawing/2014/main" id="{BF674892-CC05-059F-2FEB-212147DB5F2B}"/>
+                </a:ext>
+              </a:extLst>
+            </p:cNvPr>
+            <p:cNvSpPr txBox="1"/>
+            <p:nvPr/>
+          </p:nvSpPr>
+          <p:spPr>
+            <a:xfrm>
+              <a:off x="10641436" y="-2"/>
+              <a:ext cx="1161143" cy="430887"/>
+            </a:xfrm>
+            <a:prstGeom prst="rect">
+              <a:avLst/>
+            </a:prstGeom>
+            <a:noFill/>
+          </p:spPr>
+          <p:txBody>
+            <a:bodyPr wrap="square" rtlCol="0">
+              <a:spAutoFit/>
+            </a:bodyPr>
+            <a:lstStyle/>
+            <a:p>
+              <a:r>
+                <a:rPr lang="en-US" sz="2200" dirty="0" err="1">
+                  <a:latin typeface="Times New Roman" panose="02020603050405020304" pitchFamily="18" charset="0"/>
+                  <a:cs typeface="Times New Roman" panose="02020603050405020304" pitchFamily="18" charset="0"/>
+                </a:rPr>
+                <a:t>Unet</a:t>
+              </a:r>
+              <a:r>
+                <a:rPr lang="en-US" sz="2200" dirty="0">
+                  <a:latin typeface="Times New Roman" panose="02020603050405020304" pitchFamily="18" charset="0"/>
+                  <a:cs typeface="Times New Roman" panose="02020603050405020304" pitchFamily="18" charset="0"/>
+                </a:rPr>
+                <a:t>++</a:t>
+              </a:r>
+            </a:p>
+          </p:txBody>
+        </p:sp>
+      </p:grpSp>
     </p:spTree>
     <p:extLst>
       <p:ext uri="{BB962C8B-B14F-4D97-AF65-F5344CB8AC3E}">
@@ -4159,100 +4531,6 @@
           </a:extLst>
         </p:spPr>
       </p:pic>
-      <p:pic>
-        <p:nvPicPr>
-          <p:cNvPr id="1026" name="Picture 2">
-            <a:extLst>
-              <a:ext uri="{FF2B5EF4-FFF2-40B4-BE49-F238E27FC236}">
-                <a16:creationId xmlns:a16="http://schemas.microsoft.com/office/drawing/2014/main" id="{DA9B1C36-001A-5093-F3F7-3317AE076A9C}"/>
-              </a:ext>
-            </a:extLst>
-          </p:cNvPr>
-          <p:cNvPicPr>
-            <a:picLocks noChangeAspect="1" noChangeArrowheads="1"/>
-          </p:cNvPicPr>
-          <p:nvPr/>
-        </p:nvPicPr>
-        <p:blipFill rotWithShape="1">
-          <a:blip r:embed="rId3">
-            <a:extLst>
-              <a:ext uri="{28A0092B-C50C-407E-A947-70E740481C1C}">
-                <a14:useLocalDpi xmlns:a14="http://schemas.microsoft.com/office/drawing/2010/main" val="0"/>
-              </a:ext>
-            </a:extLst>
-          </a:blip>
-          <a:srcRect l="-1" r="17020" b="97783"/>
-          <a:stretch>
-            <a:fillRect/>
-          </a:stretch>
-        </p:blipFill>
-        <p:spPr bwMode="auto">
-          <a:xfrm>
-            <a:off x="1745963" y="92766"/>
-            <a:ext cx="10321609" cy="309572"/>
-          </a:xfrm>
-          <a:prstGeom prst="rect">
-            <a:avLst/>
-          </a:prstGeom>
-          <a:noFill/>
-          <a:extLst>
-            <a:ext uri="{909E8E84-426E-40DD-AFC4-6F175D3DCCD1}">
-              <a14:hiddenFill xmlns:a14="http://schemas.microsoft.com/office/drawing/2010/main">
-                <a:solidFill>
-                  <a:srgbClr val="FFFFFF"/>
-                </a:solidFill>
-              </a14:hiddenFill>
-            </a:ext>
-          </a:extLst>
-        </p:spPr>
-      </p:pic>
-      <p:pic>
-        <p:nvPicPr>
-          <p:cNvPr id="4" name="Picture 2">
-            <a:extLst>
-              <a:ext uri="{FF2B5EF4-FFF2-40B4-BE49-F238E27FC236}">
-                <a16:creationId xmlns:a16="http://schemas.microsoft.com/office/drawing/2014/main" id="{158CFC3C-4791-D7D8-6F9F-4D82AAC7EFD1}"/>
-              </a:ext>
-            </a:extLst>
-          </p:cNvPr>
-          <p:cNvPicPr>
-            <a:picLocks noChangeAspect="1" noChangeArrowheads="1"/>
-          </p:cNvPicPr>
-          <p:nvPr/>
-        </p:nvPicPr>
-        <p:blipFill rotWithShape="1">
-          <a:blip r:embed="rId3">
-            <a:extLst>
-              <a:ext uri="{28A0092B-C50C-407E-A947-70E740481C1C}">
-                <a14:useLocalDpi xmlns:a14="http://schemas.microsoft.com/office/drawing/2010/main" val="0"/>
-              </a:ext>
-            </a:extLst>
-          </a:blip>
-          <a:srcRect t="97681"/>
-          <a:stretch>
-            <a:fillRect/>
-          </a:stretch>
-        </p:blipFill>
-        <p:spPr bwMode="auto">
-          <a:xfrm>
-            <a:off x="4069359" y="5472707"/>
-            <a:ext cx="6110287" cy="159026"/>
-          </a:xfrm>
-          <a:prstGeom prst="rect">
-            <a:avLst/>
-          </a:prstGeom>
-          <a:noFill/>
-          <a:extLst>
-            <a:ext uri="{909E8E84-426E-40DD-AFC4-6F175D3DCCD1}">
-              <a14:hiddenFill xmlns:a14="http://schemas.microsoft.com/office/drawing/2010/main">
-                <a:solidFill>
-                  <a:srgbClr val="FFFFFF"/>
-                </a:solidFill>
-              </a14:hiddenFill>
-            </a:ext>
-          </a:extLst>
-        </p:spPr>
-      </p:pic>
       <p:sp>
         <p:nvSpPr>
           <p:cNvPr id="9" name="TextBox 8">
@@ -4911,6 +5189,425 @@
           </a:extLst>
         </p:spPr>
       </p:pic>
+      <p:grpSp>
+        <p:nvGrpSpPr>
+          <p:cNvPr id="23" name="Group 22">
+            <a:extLst>
+              <a:ext uri="{FF2B5EF4-FFF2-40B4-BE49-F238E27FC236}">
+                <a16:creationId xmlns:a16="http://schemas.microsoft.com/office/drawing/2014/main" id="{832CA6F4-E6FA-3A01-2D0A-9EF73AB765CD}"/>
+              </a:ext>
+            </a:extLst>
+          </p:cNvPr>
+          <p:cNvGrpSpPr/>
+          <p:nvPr/>
+        </p:nvGrpSpPr>
+        <p:grpSpPr>
+          <a:xfrm>
+            <a:off x="5124091" y="5394426"/>
+            <a:ext cx="4065917" cy="230832"/>
+            <a:chOff x="5124091" y="5394426"/>
+            <a:chExt cx="4065917" cy="230832"/>
+          </a:xfrm>
+        </p:grpSpPr>
+        <p:sp>
+          <p:nvSpPr>
+            <p:cNvPr id="24" name="TextBox 23">
+              <a:extLst>
+                <a:ext uri="{FF2B5EF4-FFF2-40B4-BE49-F238E27FC236}">
+                  <a16:creationId xmlns:a16="http://schemas.microsoft.com/office/drawing/2014/main" id="{71366C7F-4458-9643-BFE7-10D70F41C974}"/>
+                </a:ext>
+              </a:extLst>
+            </p:cNvPr>
+            <p:cNvSpPr txBox="1"/>
+            <p:nvPr/>
+          </p:nvSpPr>
+          <p:spPr>
+            <a:xfrm>
+              <a:off x="5580943" y="5394426"/>
+              <a:ext cx="2047336" cy="230832"/>
+            </a:xfrm>
+            <a:prstGeom prst="rect">
+              <a:avLst/>
+            </a:prstGeom>
+            <a:noFill/>
+          </p:spPr>
+          <p:txBody>
+            <a:bodyPr wrap="square" rtlCol="0">
+              <a:spAutoFit/>
+            </a:bodyPr>
+            <a:lstStyle/>
+            <a:p>
+              <a:r>
+                <a:rPr lang="en-US" sz="900" dirty="0">
+                  <a:latin typeface="Times New Roman" panose="02020603050405020304" pitchFamily="18" charset="0"/>
+                  <a:cs typeface="Times New Roman" panose="02020603050405020304" pitchFamily="18" charset="0"/>
+                </a:rPr>
+                <a:t>Segmentation results of various methods</a:t>
+              </a:r>
+            </a:p>
+          </p:txBody>
+        </p:sp>
+        <p:sp>
+          <p:nvSpPr>
+            <p:cNvPr id="25" name="TextBox 24">
+              <a:extLst>
+                <a:ext uri="{FF2B5EF4-FFF2-40B4-BE49-F238E27FC236}">
+                  <a16:creationId xmlns:a16="http://schemas.microsoft.com/office/drawing/2014/main" id="{8522E7ED-F86C-D399-0703-5C18D7B09403}"/>
+                </a:ext>
+              </a:extLst>
+            </p:cNvPr>
+            <p:cNvSpPr txBox="1"/>
+            <p:nvPr/>
+          </p:nvSpPr>
+          <p:spPr>
+            <a:xfrm>
+              <a:off x="8378777" y="5394426"/>
+              <a:ext cx="811231" cy="230832"/>
+            </a:xfrm>
+            <a:prstGeom prst="rect">
+              <a:avLst/>
+            </a:prstGeom>
+            <a:noFill/>
+          </p:spPr>
+          <p:txBody>
+            <a:bodyPr wrap="square" rtlCol="0">
+              <a:spAutoFit/>
+            </a:bodyPr>
+            <a:lstStyle/>
+            <a:p>
+              <a:r>
+                <a:rPr lang="en-US" sz="900" dirty="0">
+                  <a:latin typeface="Times New Roman" panose="02020603050405020304" pitchFamily="18" charset="0"/>
+                  <a:cs typeface="Times New Roman" panose="02020603050405020304" pitchFamily="18" charset="0"/>
+                </a:rPr>
+                <a:t>Ground truth</a:t>
+              </a:r>
+            </a:p>
+          </p:txBody>
+        </p:sp>
+        <p:cxnSp>
+          <p:nvCxnSpPr>
+            <p:cNvPr id="26" name="Straight Connector 25">
+              <a:extLst>
+                <a:ext uri="{FF2B5EF4-FFF2-40B4-BE49-F238E27FC236}">
+                  <a16:creationId xmlns:a16="http://schemas.microsoft.com/office/drawing/2014/main" id="{FF7F4DB7-66EB-CED7-51A2-FD4010C45483}"/>
+                </a:ext>
+              </a:extLst>
+            </p:cNvPr>
+            <p:cNvCxnSpPr/>
+            <p:nvPr/>
+          </p:nvCxnSpPr>
+          <p:spPr>
+            <a:xfrm>
+              <a:off x="5124091" y="5515155"/>
+              <a:ext cx="506083" cy="0"/>
+            </a:xfrm>
+            <a:prstGeom prst="line">
+              <a:avLst/>
+            </a:prstGeom>
+            <a:ln w="57150">
+              <a:solidFill>
+                <a:srgbClr val="FF0000"/>
+              </a:solidFill>
+            </a:ln>
+          </p:spPr>
+          <p:style>
+            <a:lnRef idx="2">
+              <a:schemeClr val="accent1"/>
+            </a:lnRef>
+            <a:fillRef idx="0">
+              <a:schemeClr val="accent1"/>
+            </a:fillRef>
+            <a:effectRef idx="1">
+              <a:schemeClr val="accent1"/>
+            </a:effectRef>
+            <a:fontRef idx="minor">
+              <a:schemeClr val="tx1"/>
+            </a:fontRef>
+          </p:style>
+        </p:cxnSp>
+        <p:cxnSp>
+          <p:nvCxnSpPr>
+            <p:cNvPr id="27" name="Straight Connector 26">
+              <a:extLst>
+                <a:ext uri="{FF2B5EF4-FFF2-40B4-BE49-F238E27FC236}">
+                  <a16:creationId xmlns:a16="http://schemas.microsoft.com/office/drawing/2014/main" id="{9F1F452D-8992-09F7-62DE-BC2C59705B11}"/>
+                </a:ext>
+              </a:extLst>
+            </p:cNvPr>
+            <p:cNvCxnSpPr/>
+            <p:nvPr/>
+          </p:nvCxnSpPr>
+          <p:spPr>
+            <a:xfrm>
+              <a:off x="7872694" y="5512280"/>
+              <a:ext cx="506083" cy="0"/>
+            </a:xfrm>
+            <a:prstGeom prst="line">
+              <a:avLst/>
+            </a:prstGeom>
+            <a:ln w="57150"/>
+          </p:spPr>
+          <p:style>
+            <a:lnRef idx="2">
+              <a:schemeClr val="accent6"/>
+            </a:lnRef>
+            <a:fillRef idx="0">
+              <a:schemeClr val="accent6"/>
+            </a:fillRef>
+            <a:effectRef idx="1">
+              <a:schemeClr val="accent6"/>
+            </a:effectRef>
+            <a:fontRef idx="minor">
+              <a:schemeClr val="tx1"/>
+            </a:fontRef>
+          </p:style>
+        </p:cxnSp>
+      </p:grpSp>
+      <p:grpSp>
+        <p:nvGrpSpPr>
+          <p:cNvPr id="28" name="Group 27">
+            <a:extLst>
+              <a:ext uri="{FF2B5EF4-FFF2-40B4-BE49-F238E27FC236}">
+                <a16:creationId xmlns:a16="http://schemas.microsoft.com/office/drawing/2014/main" id="{06BF8A36-0E4E-27AB-7583-6D389F106E7C}"/>
+              </a:ext>
+            </a:extLst>
+          </p:cNvPr>
+          <p:cNvGrpSpPr/>
+          <p:nvPr/>
+        </p:nvGrpSpPr>
+        <p:grpSpPr>
+          <a:xfrm>
+            <a:off x="2249715" y="-2"/>
+            <a:ext cx="9552864" cy="430889"/>
+            <a:chOff x="2249715" y="-2"/>
+            <a:chExt cx="9552864" cy="430889"/>
+          </a:xfrm>
+        </p:grpSpPr>
+        <p:sp>
+          <p:nvSpPr>
+            <p:cNvPr id="29" name="TextBox 28">
+              <a:extLst>
+                <a:ext uri="{FF2B5EF4-FFF2-40B4-BE49-F238E27FC236}">
+                  <a16:creationId xmlns:a16="http://schemas.microsoft.com/office/drawing/2014/main" id="{9CA880DA-C617-E83D-10E2-6FD48B7C2205}"/>
+                </a:ext>
+              </a:extLst>
+            </p:cNvPr>
+            <p:cNvSpPr txBox="1"/>
+            <p:nvPr/>
+          </p:nvSpPr>
+          <p:spPr>
+            <a:xfrm>
+              <a:off x="2249715" y="0"/>
+              <a:ext cx="1161143" cy="430887"/>
+            </a:xfrm>
+            <a:prstGeom prst="rect">
+              <a:avLst/>
+            </a:prstGeom>
+            <a:noFill/>
+          </p:spPr>
+          <p:txBody>
+            <a:bodyPr wrap="square" rtlCol="0">
+              <a:spAutoFit/>
+            </a:bodyPr>
+            <a:lstStyle/>
+            <a:p>
+              <a:r>
+                <a:rPr lang="en-US" sz="2200" dirty="0">
+                  <a:latin typeface="Times New Roman" panose="02020603050405020304" pitchFamily="18" charset="0"/>
+                  <a:cs typeface="Times New Roman" panose="02020603050405020304" pitchFamily="18" charset="0"/>
+                </a:rPr>
+                <a:t>Images</a:t>
+              </a:r>
+            </a:p>
+          </p:txBody>
+        </p:sp>
+        <p:sp>
+          <p:nvSpPr>
+            <p:cNvPr id="30" name="TextBox 29">
+              <a:extLst>
+                <a:ext uri="{FF2B5EF4-FFF2-40B4-BE49-F238E27FC236}">
+                  <a16:creationId xmlns:a16="http://schemas.microsoft.com/office/drawing/2014/main" id="{6EE989C3-1E11-E17E-A5E5-553984EE555E}"/>
+                </a:ext>
+              </a:extLst>
+            </p:cNvPr>
+            <p:cNvSpPr txBox="1"/>
+            <p:nvPr/>
+          </p:nvSpPr>
+          <p:spPr>
+            <a:xfrm>
+              <a:off x="4558740" y="0"/>
+              <a:ext cx="1161143" cy="430887"/>
+            </a:xfrm>
+            <a:prstGeom prst="rect">
+              <a:avLst/>
+            </a:prstGeom>
+            <a:noFill/>
+          </p:spPr>
+          <p:txBody>
+            <a:bodyPr wrap="square" rtlCol="0">
+              <a:spAutoFit/>
+            </a:bodyPr>
+            <a:lstStyle/>
+            <a:p>
+              <a:r>
+                <a:rPr lang="en-US" sz="2200" dirty="0">
+                  <a:latin typeface="Times New Roman" panose="02020603050405020304" pitchFamily="18" charset="0"/>
+                  <a:cs typeface="Times New Roman" panose="02020603050405020304" pitchFamily="18" charset="0"/>
+                </a:rPr>
+                <a:t>G</a:t>
+              </a:r>
+              <a:r>
+                <a:rPr lang="en-US" sz="2200" baseline="-25000" dirty="0">
+                  <a:latin typeface="Times New Roman" panose="02020603050405020304" pitchFamily="18" charset="0"/>
+                  <a:cs typeface="Times New Roman" panose="02020603050405020304" pitchFamily="18" charset="0"/>
+                </a:rPr>
+                <a:t>1</a:t>
+              </a:r>
+              <a:endParaRPr lang="en-US" sz="2200" dirty="0">
+                <a:latin typeface="Times New Roman" panose="02020603050405020304" pitchFamily="18" charset="0"/>
+                <a:cs typeface="Times New Roman" panose="02020603050405020304" pitchFamily="18" charset="0"/>
+              </a:endParaRPr>
+            </a:p>
+          </p:txBody>
+        </p:sp>
+        <p:sp>
+          <p:nvSpPr>
+            <p:cNvPr id="31" name="TextBox 30">
+              <a:extLst>
+                <a:ext uri="{FF2B5EF4-FFF2-40B4-BE49-F238E27FC236}">
+                  <a16:creationId xmlns:a16="http://schemas.microsoft.com/office/drawing/2014/main" id="{B320FFD8-70F7-A6BA-291D-2D50B67B608C}"/>
+                </a:ext>
+              </a:extLst>
+            </p:cNvPr>
+            <p:cNvSpPr txBox="1"/>
+            <p:nvPr/>
+          </p:nvSpPr>
+          <p:spPr>
+            <a:xfrm>
+              <a:off x="6674636" y="0"/>
+              <a:ext cx="1161143" cy="430887"/>
+            </a:xfrm>
+            <a:prstGeom prst="rect">
+              <a:avLst/>
+            </a:prstGeom>
+            <a:noFill/>
+          </p:spPr>
+          <p:txBody>
+            <a:bodyPr wrap="square" rtlCol="0">
+              <a:spAutoFit/>
+            </a:bodyPr>
+            <a:lstStyle/>
+            <a:p>
+              <a:r>
+                <a:rPr lang="en-US" sz="2200" dirty="0">
+                  <a:latin typeface="Times New Roman" panose="02020603050405020304" pitchFamily="18" charset="0"/>
+                  <a:cs typeface="Times New Roman" panose="02020603050405020304" pitchFamily="18" charset="0"/>
+                </a:rPr>
+                <a:t>G</a:t>
+              </a:r>
+              <a:r>
+                <a:rPr lang="en-US" sz="2200" baseline="-25000" dirty="0">
+                  <a:latin typeface="Times New Roman" panose="02020603050405020304" pitchFamily="18" charset="0"/>
+                  <a:cs typeface="Times New Roman" panose="02020603050405020304" pitchFamily="18" charset="0"/>
+                </a:rPr>
+                <a:t>2</a:t>
+              </a:r>
+              <a:endParaRPr lang="en-US" sz="2200" dirty="0">
+                <a:latin typeface="Times New Roman" panose="02020603050405020304" pitchFamily="18" charset="0"/>
+                <a:cs typeface="Times New Roman" panose="02020603050405020304" pitchFamily="18" charset="0"/>
+              </a:endParaRPr>
+            </a:p>
+          </p:txBody>
+        </p:sp>
+        <p:sp>
+          <p:nvSpPr>
+            <p:cNvPr id="32" name="TextBox 31">
+              <a:extLst>
+                <a:ext uri="{FF2B5EF4-FFF2-40B4-BE49-F238E27FC236}">
+                  <a16:creationId xmlns:a16="http://schemas.microsoft.com/office/drawing/2014/main" id="{F340D5A1-3EE3-7E98-54CB-D5758FB35571}"/>
+                </a:ext>
+              </a:extLst>
+            </p:cNvPr>
+            <p:cNvSpPr txBox="1"/>
+            <p:nvPr/>
+          </p:nvSpPr>
+          <p:spPr>
+            <a:xfrm>
+              <a:off x="8609436" y="-1"/>
+              <a:ext cx="1161143" cy="430887"/>
+            </a:xfrm>
+            <a:prstGeom prst="rect">
+              <a:avLst/>
+            </a:prstGeom>
+            <a:noFill/>
+          </p:spPr>
+          <p:txBody>
+            <a:bodyPr wrap="square" rtlCol="0">
+              <a:spAutoFit/>
+            </a:bodyPr>
+            <a:lstStyle/>
+            <a:p>
+              <a:r>
+                <a:rPr lang="en-US" sz="2200" dirty="0" err="1">
+                  <a:latin typeface="Times New Roman" panose="02020603050405020304" pitchFamily="18" charset="0"/>
+                  <a:cs typeface="Times New Roman" panose="02020603050405020304" pitchFamily="18" charset="0"/>
+                </a:rPr>
+                <a:t>UNet</a:t>
+              </a:r>
+              <a:endParaRPr lang="en-US" sz="2200" dirty="0">
+                <a:latin typeface="Times New Roman" panose="02020603050405020304" pitchFamily="18" charset="0"/>
+                <a:cs typeface="Times New Roman" panose="02020603050405020304" pitchFamily="18" charset="0"/>
+              </a:endParaRPr>
+            </a:p>
+          </p:txBody>
+        </p:sp>
+        <p:sp>
+          <p:nvSpPr>
+            <p:cNvPr id="33" name="TextBox 32">
+              <a:extLst>
+                <a:ext uri="{FF2B5EF4-FFF2-40B4-BE49-F238E27FC236}">
+                  <a16:creationId xmlns:a16="http://schemas.microsoft.com/office/drawing/2014/main" id="{F9298EFF-1ACA-F6E7-AC36-84D3CCC4B761}"/>
+                </a:ext>
+              </a:extLst>
+            </p:cNvPr>
+            <p:cNvSpPr txBox="1"/>
+            <p:nvPr/>
+          </p:nvSpPr>
+          <p:spPr>
+            <a:xfrm>
+              <a:off x="10641436" y="-2"/>
+              <a:ext cx="1161143" cy="430887"/>
+            </a:xfrm>
+            <a:prstGeom prst="rect">
+              <a:avLst/>
+            </a:prstGeom>
+            <a:noFill/>
+          </p:spPr>
+          <p:txBody>
+            <a:bodyPr wrap="square" rtlCol="0">
+              <a:spAutoFit/>
+            </a:bodyPr>
+            <a:lstStyle/>
+            <a:p>
+              <a:r>
+                <a:rPr lang="en-US" sz="2200" dirty="0" err="1">
+                  <a:latin typeface="Times New Roman" panose="02020603050405020304" pitchFamily="18" charset="0"/>
+                  <a:cs typeface="Times New Roman" panose="02020603050405020304" pitchFamily="18" charset="0"/>
+                </a:rPr>
+                <a:t>Unet</a:t>
+              </a:r>
+              <a:r>
+                <a:rPr lang="en-US" sz="2200" dirty="0">
+                  <a:latin typeface="Times New Roman" panose="02020603050405020304" pitchFamily="18" charset="0"/>
+                  <a:cs typeface="Times New Roman" panose="02020603050405020304" pitchFamily="18" charset="0"/>
+                </a:rPr>
+                <a:t>++</a:t>
+              </a:r>
+            </a:p>
+          </p:txBody>
+        </p:sp>
+      </p:grpSp>
     </p:spTree>
     <p:extLst>
       <p:ext uri="{BB962C8B-B14F-4D97-AF65-F5344CB8AC3E}">
@@ -4947,100 +5644,6 @@
           <a:chExt cx="0" cy="0"/>
         </a:xfrm>
       </p:grpSpPr>
-      <p:pic>
-        <p:nvPicPr>
-          <p:cNvPr id="1026" name="Picture 2">
-            <a:extLst>
-              <a:ext uri="{FF2B5EF4-FFF2-40B4-BE49-F238E27FC236}">
-                <a16:creationId xmlns:a16="http://schemas.microsoft.com/office/drawing/2014/main" id="{F2730DE9-DCB8-22C8-D56B-5DA4B09BD616}"/>
-              </a:ext>
-            </a:extLst>
-          </p:cNvPr>
-          <p:cNvPicPr>
-            <a:picLocks noChangeAspect="1" noChangeArrowheads="1"/>
-          </p:cNvPicPr>
-          <p:nvPr/>
-        </p:nvPicPr>
-        <p:blipFill rotWithShape="1">
-          <a:blip r:embed="rId2">
-            <a:extLst>
-              <a:ext uri="{28A0092B-C50C-407E-A947-70E740481C1C}">
-                <a14:useLocalDpi xmlns:a14="http://schemas.microsoft.com/office/drawing/2010/main" val="0"/>
-              </a:ext>
-            </a:extLst>
-          </a:blip>
-          <a:srcRect l="-1" r="17020" b="97783"/>
-          <a:stretch>
-            <a:fillRect/>
-          </a:stretch>
-        </p:blipFill>
-        <p:spPr bwMode="auto">
-          <a:xfrm>
-            <a:off x="1745963" y="92766"/>
-            <a:ext cx="10321609" cy="309572"/>
-          </a:xfrm>
-          <a:prstGeom prst="rect">
-            <a:avLst/>
-          </a:prstGeom>
-          <a:noFill/>
-          <a:extLst>
-            <a:ext uri="{909E8E84-426E-40DD-AFC4-6F175D3DCCD1}">
-              <a14:hiddenFill xmlns:a14="http://schemas.microsoft.com/office/drawing/2010/main">
-                <a:solidFill>
-                  <a:srgbClr val="FFFFFF"/>
-                </a:solidFill>
-              </a14:hiddenFill>
-            </a:ext>
-          </a:extLst>
-        </p:spPr>
-      </p:pic>
-      <p:pic>
-        <p:nvPicPr>
-          <p:cNvPr id="4" name="Picture 2">
-            <a:extLst>
-              <a:ext uri="{FF2B5EF4-FFF2-40B4-BE49-F238E27FC236}">
-                <a16:creationId xmlns:a16="http://schemas.microsoft.com/office/drawing/2014/main" id="{6CCF7E4D-E9BF-AE77-F5BB-BA3C4149EA54}"/>
-              </a:ext>
-            </a:extLst>
-          </p:cNvPr>
-          <p:cNvPicPr>
-            <a:picLocks noChangeAspect="1" noChangeArrowheads="1"/>
-          </p:cNvPicPr>
-          <p:nvPr/>
-        </p:nvPicPr>
-        <p:blipFill rotWithShape="1">
-          <a:blip r:embed="rId2">
-            <a:extLst>
-              <a:ext uri="{28A0092B-C50C-407E-A947-70E740481C1C}">
-                <a14:useLocalDpi xmlns:a14="http://schemas.microsoft.com/office/drawing/2010/main" val="0"/>
-              </a:ext>
-            </a:extLst>
-          </a:blip>
-          <a:srcRect t="97681"/>
-          <a:stretch>
-            <a:fillRect/>
-          </a:stretch>
-        </p:blipFill>
-        <p:spPr bwMode="auto">
-          <a:xfrm>
-            <a:off x="4069359" y="5472707"/>
-            <a:ext cx="6110287" cy="159026"/>
-          </a:xfrm>
-          <a:prstGeom prst="rect">
-            <a:avLst/>
-          </a:prstGeom>
-          <a:noFill/>
-          <a:extLst>
-            <a:ext uri="{909E8E84-426E-40DD-AFC4-6F175D3DCCD1}">
-              <a14:hiddenFill xmlns:a14="http://schemas.microsoft.com/office/drawing/2010/main">
-                <a:solidFill>
-                  <a:srgbClr val="FFFFFF"/>
-                </a:solidFill>
-              </a14:hiddenFill>
-            </a:ext>
-          </a:extLst>
-        </p:spPr>
-      </p:pic>
       <p:sp>
         <p:nvSpPr>
           <p:cNvPr id="9" name="TextBox 8">
@@ -5746,6 +6349,425 @@
           </a:extLst>
         </p:spPr>
       </p:pic>
+      <p:grpSp>
+        <p:nvGrpSpPr>
+          <p:cNvPr id="11" name="Group 10">
+            <a:extLst>
+              <a:ext uri="{FF2B5EF4-FFF2-40B4-BE49-F238E27FC236}">
+                <a16:creationId xmlns:a16="http://schemas.microsoft.com/office/drawing/2014/main" id="{63096EB9-A4BA-2594-F0C2-B70A67C4DEC9}"/>
+              </a:ext>
+            </a:extLst>
+          </p:cNvPr>
+          <p:cNvGrpSpPr/>
+          <p:nvPr/>
+        </p:nvGrpSpPr>
+        <p:grpSpPr>
+          <a:xfrm>
+            <a:off x="5124091" y="5394426"/>
+            <a:ext cx="4065917" cy="230832"/>
+            <a:chOff x="5124091" y="5394426"/>
+            <a:chExt cx="4065917" cy="230832"/>
+          </a:xfrm>
+        </p:grpSpPr>
+        <p:sp>
+          <p:nvSpPr>
+            <p:cNvPr id="17" name="TextBox 16">
+              <a:extLst>
+                <a:ext uri="{FF2B5EF4-FFF2-40B4-BE49-F238E27FC236}">
+                  <a16:creationId xmlns:a16="http://schemas.microsoft.com/office/drawing/2014/main" id="{CBFA652B-AA2A-A6D2-B26F-20BD42709F3E}"/>
+                </a:ext>
+              </a:extLst>
+            </p:cNvPr>
+            <p:cNvSpPr txBox="1"/>
+            <p:nvPr/>
+          </p:nvSpPr>
+          <p:spPr>
+            <a:xfrm>
+              <a:off x="5580943" y="5394426"/>
+              <a:ext cx="2047336" cy="230832"/>
+            </a:xfrm>
+            <a:prstGeom prst="rect">
+              <a:avLst/>
+            </a:prstGeom>
+            <a:noFill/>
+          </p:spPr>
+          <p:txBody>
+            <a:bodyPr wrap="square" rtlCol="0">
+              <a:spAutoFit/>
+            </a:bodyPr>
+            <a:lstStyle/>
+            <a:p>
+              <a:r>
+                <a:rPr lang="en-US" sz="900" dirty="0">
+                  <a:latin typeface="Times New Roman" panose="02020603050405020304" pitchFamily="18" charset="0"/>
+                  <a:cs typeface="Times New Roman" panose="02020603050405020304" pitchFamily="18" charset="0"/>
+                </a:rPr>
+                <a:t>Segmentation results of various methods</a:t>
+              </a:r>
+            </a:p>
+          </p:txBody>
+        </p:sp>
+        <p:sp>
+          <p:nvSpPr>
+            <p:cNvPr id="19" name="TextBox 18">
+              <a:extLst>
+                <a:ext uri="{FF2B5EF4-FFF2-40B4-BE49-F238E27FC236}">
+                  <a16:creationId xmlns:a16="http://schemas.microsoft.com/office/drawing/2014/main" id="{E39BC3A1-A0FE-338D-28B6-C38F862085C0}"/>
+                </a:ext>
+              </a:extLst>
+            </p:cNvPr>
+            <p:cNvSpPr txBox="1"/>
+            <p:nvPr/>
+          </p:nvSpPr>
+          <p:spPr>
+            <a:xfrm>
+              <a:off x="8378777" y="5394426"/>
+              <a:ext cx="811231" cy="230832"/>
+            </a:xfrm>
+            <a:prstGeom prst="rect">
+              <a:avLst/>
+            </a:prstGeom>
+            <a:noFill/>
+          </p:spPr>
+          <p:txBody>
+            <a:bodyPr wrap="square" rtlCol="0">
+              <a:spAutoFit/>
+            </a:bodyPr>
+            <a:lstStyle/>
+            <a:p>
+              <a:r>
+                <a:rPr lang="en-US" sz="900" dirty="0">
+                  <a:latin typeface="Times New Roman" panose="02020603050405020304" pitchFamily="18" charset="0"/>
+                  <a:cs typeface="Times New Roman" panose="02020603050405020304" pitchFamily="18" charset="0"/>
+                </a:rPr>
+                <a:t>Ground truth</a:t>
+              </a:r>
+            </a:p>
+          </p:txBody>
+        </p:sp>
+        <p:cxnSp>
+          <p:nvCxnSpPr>
+            <p:cNvPr id="20" name="Straight Connector 19">
+              <a:extLst>
+                <a:ext uri="{FF2B5EF4-FFF2-40B4-BE49-F238E27FC236}">
+                  <a16:creationId xmlns:a16="http://schemas.microsoft.com/office/drawing/2014/main" id="{C081322B-1847-F4E6-C086-71CBCCF08D64}"/>
+                </a:ext>
+              </a:extLst>
+            </p:cNvPr>
+            <p:cNvCxnSpPr/>
+            <p:nvPr/>
+          </p:nvCxnSpPr>
+          <p:spPr>
+            <a:xfrm>
+              <a:off x="5124091" y="5515155"/>
+              <a:ext cx="506083" cy="0"/>
+            </a:xfrm>
+            <a:prstGeom prst="line">
+              <a:avLst/>
+            </a:prstGeom>
+            <a:ln w="57150">
+              <a:solidFill>
+                <a:srgbClr val="FF0000"/>
+              </a:solidFill>
+            </a:ln>
+          </p:spPr>
+          <p:style>
+            <a:lnRef idx="2">
+              <a:schemeClr val="accent1"/>
+            </a:lnRef>
+            <a:fillRef idx="0">
+              <a:schemeClr val="accent1"/>
+            </a:fillRef>
+            <a:effectRef idx="1">
+              <a:schemeClr val="accent1"/>
+            </a:effectRef>
+            <a:fontRef idx="minor">
+              <a:schemeClr val="tx1"/>
+            </a:fontRef>
+          </p:style>
+        </p:cxnSp>
+        <p:cxnSp>
+          <p:nvCxnSpPr>
+            <p:cNvPr id="21" name="Straight Connector 20">
+              <a:extLst>
+                <a:ext uri="{FF2B5EF4-FFF2-40B4-BE49-F238E27FC236}">
+                  <a16:creationId xmlns:a16="http://schemas.microsoft.com/office/drawing/2014/main" id="{5A903347-BFCA-18F7-1BAB-BBC43AF9F10D}"/>
+                </a:ext>
+              </a:extLst>
+            </p:cNvPr>
+            <p:cNvCxnSpPr/>
+            <p:nvPr/>
+          </p:nvCxnSpPr>
+          <p:spPr>
+            <a:xfrm>
+              <a:off x="7872694" y="5512280"/>
+              <a:ext cx="506083" cy="0"/>
+            </a:xfrm>
+            <a:prstGeom prst="line">
+              <a:avLst/>
+            </a:prstGeom>
+            <a:ln w="57150"/>
+          </p:spPr>
+          <p:style>
+            <a:lnRef idx="2">
+              <a:schemeClr val="accent6"/>
+            </a:lnRef>
+            <a:fillRef idx="0">
+              <a:schemeClr val="accent6"/>
+            </a:fillRef>
+            <a:effectRef idx="1">
+              <a:schemeClr val="accent6"/>
+            </a:effectRef>
+            <a:fontRef idx="minor">
+              <a:schemeClr val="tx1"/>
+            </a:fontRef>
+          </p:style>
+        </p:cxnSp>
+      </p:grpSp>
+      <p:grpSp>
+        <p:nvGrpSpPr>
+          <p:cNvPr id="22" name="Group 21">
+            <a:extLst>
+              <a:ext uri="{FF2B5EF4-FFF2-40B4-BE49-F238E27FC236}">
+                <a16:creationId xmlns:a16="http://schemas.microsoft.com/office/drawing/2014/main" id="{8AE17109-D66D-330F-33C8-0B4E9B076563}"/>
+              </a:ext>
+            </a:extLst>
+          </p:cNvPr>
+          <p:cNvGrpSpPr/>
+          <p:nvPr/>
+        </p:nvGrpSpPr>
+        <p:grpSpPr>
+          <a:xfrm>
+            <a:off x="2249715" y="-2"/>
+            <a:ext cx="9552864" cy="430889"/>
+            <a:chOff x="2249715" y="-2"/>
+            <a:chExt cx="9552864" cy="430889"/>
+          </a:xfrm>
+        </p:grpSpPr>
+        <p:sp>
+          <p:nvSpPr>
+            <p:cNvPr id="23" name="TextBox 22">
+              <a:extLst>
+                <a:ext uri="{FF2B5EF4-FFF2-40B4-BE49-F238E27FC236}">
+                  <a16:creationId xmlns:a16="http://schemas.microsoft.com/office/drawing/2014/main" id="{907048D8-6A52-8CFF-2B9F-FE9174DA90C0}"/>
+                </a:ext>
+              </a:extLst>
+            </p:cNvPr>
+            <p:cNvSpPr txBox="1"/>
+            <p:nvPr/>
+          </p:nvSpPr>
+          <p:spPr>
+            <a:xfrm>
+              <a:off x="2249715" y="0"/>
+              <a:ext cx="1161143" cy="430887"/>
+            </a:xfrm>
+            <a:prstGeom prst="rect">
+              <a:avLst/>
+            </a:prstGeom>
+            <a:noFill/>
+          </p:spPr>
+          <p:txBody>
+            <a:bodyPr wrap="square" rtlCol="0">
+              <a:spAutoFit/>
+            </a:bodyPr>
+            <a:lstStyle/>
+            <a:p>
+              <a:r>
+                <a:rPr lang="en-US" sz="2200" dirty="0">
+                  <a:latin typeface="Times New Roman" panose="02020603050405020304" pitchFamily="18" charset="0"/>
+                  <a:cs typeface="Times New Roman" panose="02020603050405020304" pitchFamily="18" charset="0"/>
+                </a:rPr>
+                <a:t>Images</a:t>
+              </a:r>
+            </a:p>
+          </p:txBody>
+        </p:sp>
+        <p:sp>
+          <p:nvSpPr>
+            <p:cNvPr id="24" name="TextBox 23">
+              <a:extLst>
+                <a:ext uri="{FF2B5EF4-FFF2-40B4-BE49-F238E27FC236}">
+                  <a16:creationId xmlns:a16="http://schemas.microsoft.com/office/drawing/2014/main" id="{1A3BE231-BF71-6C49-3F92-8A920EDBD313}"/>
+                </a:ext>
+              </a:extLst>
+            </p:cNvPr>
+            <p:cNvSpPr txBox="1"/>
+            <p:nvPr/>
+          </p:nvSpPr>
+          <p:spPr>
+            <a:xfrm>
+              <a:off x="4558740" y="0"/>
+              <a:ext cx="1161143" cy="430887"/>
+            </a:xfrm>
+            <a:prstGeom prst="rect">
+              <a:avLst/>
+            </a:prstGeom>
+            <a:noFill/>
+          </p:spPr>
+          <p:txBody>
+            <a:bodyPr wrap="square" rtlCol="0">
+              <a:spAutoFit/>
+            </a:bodyPr>
+            <a:lstStyle/>
+            <a:p>
+              <a:r>
+                <a:rPr lang="en-US" sz="2200" dirty="0">
+                  <a:latin typeface="Times New Roman" panose="02020603050405020304" pitchFamily="18" charset="0"/>
+                  <a:cs typeface="Times New Roman" panose="02020603050405020304" pitchFamily="18" charset="0"/>
+                </a:rPr>
+                <a:t>G</a:t>
+              </a:r>
+              <a:r>
+                <a:rPr lang="en-US" sz="2200" baseline="-25000" dirty="0">
+                  <a:latin typeface="Times New Roman" panose="02020603050405020304" pitchFamily="18" charset="0"/>
+                  <a:cs typeface="Times New Roman" panose="02020603050405020304" pitchFamily="18" charset="0"/>
+                </a:rPr>
+                <a:t>1</a:t>
+              </a:r>
+              <a:endParaRPr lang="en-US" sz="2200" dirty="0">
+                <a:latin typeface="Times New Roman" panose="02020603050405020304" pitchFamily="18" charset="0"/>
+                <a:cs typeface="Times New Roman" panose="02020603050405020304" pitchFamily="18" charset="0"/>
+              </a:endParaRPr>
+            </a:p>
+          </p:txBody>
+        </p:sp>
+        <p:sp>
+          <p:nvSpPr>
+            <p:cNvPr id="25" name="TextBox 24">
+              <a:extLst>
+                <a:ext uri="{FF2B5EF4-FFF2-40B4-BE49-F238E27FC236}">
+                  <a16:creationId xmlns:a16="http://schemas.microsoft.com/office/drawing/2014/main" id="{5B4A5D96-8E0C-E131-9695-FEA4F240179B}"/>
+                </a:ext>
+              </a:extLst>
+            </p:cNvPr>
+            <p:cNvSpPr txBox="1"/>
+            <p:nvPr/>
+          </p:nvSpPr>
+          <p:spPr>
+            <a:xfrm>
+              <a:off x="6674636" y="0"/>
+              <a:ext cx="1161143" cy="430887"/>
+            </a:xfrm>
+            <a:prstGeom prst="rect">
+              <a:avLst/>
+            </a:prstGeom>
+            <a:noFill/>
+          </p:spPr>
+          <p:txBody>
+            <a:bodyPr wrap="square" rtlCol="0">
+              <a:spAutoFit/>
+            </a:bodyPr>
+            <a:lstStyle/>
+            <a:p>
+              <a:r>
+                <a:rPr lang="en-US" sz="2200" dirty="0">
+                  <a:latin typeface="Times New Roman" panose="02020603050405020304" pitchFamily="18" charset="0"/>
+                  <a:cs typeface="Times New Roman" panose="02020603050405020304" pitchFamily="18" charset="0"/>
+                </a:rPr>
+                <a:t>G</a:t>
+              </a:r>
+              <a:r>
+                <a:rPr lang="en-US" sz="2200" baseline="-25000" dirty="0">
+                  <a:latin typeface="Times New Roman" panose="02020603050405020304" pitchFamily="18" charset="0"/>
+                  <a:cs typeface="Times New Roman" panose="02020603050405020304" pitchFamily="18" charset="0"/>
+                </a:rPr>
+                <a:t>2</a:t>
+              </a:r>
+              <a:endParaRPr lang="en-US" sz="2200" dirty="0">
+                <a:latin typeface="Times New Roman" panose="02020603050405020304" pitchFamily="18" charset="0"/>
+                <a:cs typeface="Times New Roman" panose="02020603050405020304" pitchFamily="18" charset="0"/>
+              </a:endParaRPr>
+            </a:p>
+          </p:txBody>
+        </p:sp>
+        <p:sp>
+          <p:nvSpPr>
+            <p:cNvPr id="26" name="TextBox 25">
+              <a:extLst>
+                <a:ext uri="{FF2B5EF4-FFF2-40B4-BE49-F238E27FC236}">
+                  <a16:creationId xmlns:a16="http://schemas.microsoft.com/office/drawing/2014/main" id="{A1E07C91-C809-F639-0BE7-A6B5BE192542}"/>
+                </a:ext>
+              </a:extLst>
+            </p:cNvPr>
+            <p:cNvSpPr txBox="1"/>
+            <p:nvPr/>
+          </p:nvSpPr>
+          <p:spPr>
+            <a:xfrm>
+              <a:off x="8609436" y="-1"/>
+              <a:ext cx="1161143" cy="430887"/>
+            </a:xfrm>
+            <a:prstGeom prst="rect">
+              <a:avLst/>
+            </a:prstGeom>
+            <a:noFill/>
+          </p:spPr>
+          <p:txBody>
+            <a:bodyPr wrap="square" rtlCol="0">
+              <a:spAutoFit/>
+            </a:bodyPr>
+            <a:lstStyle/>
+            <a:p>
+              <a:r>
+                <a:rPr lang="en-US" sz="2200" dirty="0" err="1">
+                  <a:latin typeface="Times New Roman" panose="02020603050405020304" pitchFamily="18" charset="0"/>
+                  <a:cs typeface="Times New Roman" panose="02020603050405020304" pitchFamily="18" charset="0"/>
+                </a:rPr>
+                <a:t>UNet</a:t>
+              </a:r>
+              <a:endParaRPr lang="en-US" sz="2200" dirty="0">
+                <a:latin typeface="Times New Roman" panose="02020603050405020304" pitchFamily="18" charset="0"/>
+                <a:cs typeface="Times New Roman" panose="02020603050405020304" pitchFamily="18" charset="0"/>
+              </a:endParaRPr>
+            </a:p>
+          </p:txBody>
+        </p:sp>
+        <p:sp>
+          <p:nvSpPr>
+            <p:cNvPr id="27" name="TextBox 26">
+              <a:extLst>
+                <a:ext uri="{FF2B5EF4-FFF2-40B4-BE49-F238E27FC236}">
+                  <a16:creationId xmlns:a16="http://schemas.microsoft.com/office/drawing/2014/main" id="{A5695815-38FB-73DE-673B-4C2CF27F8527}"/>
+                </a:ext>
+              </a:extLst>
+            </p:cNvPr>
+            <p:cNvSpPr txBox="1"/>
+            <p:nvPr/>
+          </p:nvSpPr>
+          <p:spPr>
+            <a:xfrm>
+              <a:off x="10641436" y="-2"/>
+              <a:ext cx="1161143" cy="430887"/>
+            </a:xfrm>
+            <a:prstGeom prst="rect">
+              <a:avLst/>
+            </a:prstGeom>
+            <a:noFill/>
+          </p:spPr>
+          <p:txBody>
+            <a:bodyPr wrap="square" rtlCol="0">
+              <a:spAutoFit/>
+            </a:bodyPr>
+            <a:lstStyle/>
+            <a:p>
+              <a:r>
+                <a:rPr lang="en-US" sz="2200" dirty="0" err="1">
+                  <a:latin typeface="Times New Roman" panose="02020603050405020304" pitchFamily="18" charset="0"/>
+                  <a:cs typeface="Times New Roman" panose="02020603050405020304" pitchFamily="18" charset="0"/>
+                </a:rPr>
+                <a:t>Unet</a:t>
+              </a:r>
+              <a:r>
+                <a:rPr lang="en-US" sz="2200" dirty="0">
+                  <a:latin typeface="Times New Roman" panose="02020603050405020304" pitchFamily="18" charset="0"/>
+                  <a:cs typeface="Times New Roman" panose="02020603050405020304" pitchFamily="18" charset="0"/>
+                </a:rPr>
+                <a:t>++</a:t>
+              </a:r>
+            </a:p>
+          </p:txBody>
+        </p:sp>
+      </p:grpSp>
     </p:spTree>
     <p:extLst>
       <p:ext uri="{BB962C8B-B14F-4D97-AF65-F5344CB8AC3E}">
@@ -5950,35 +6972,35 @@
       </p:pic>
       <p:pic>
         <p:nvPicPr>
-          <p:cNvPr id="2" name="Picture 2">
-            <a:extLst>
-              <a:ext uri="{FF2B5EF4-FFF2-40B4-BE49-F238E27FC236}">
-                <a16:creationId xmlns:a16="http://schemas.microsoft.com/office/drawing/2014/main" id="{BC614F6D-0C03-5102-AE47-988A17623424}"/>
+          <p:cNvPr id="6148" name="Picture 4" descr="card">
+            <a:extLst>
+              <a:ext uri="{FF2B5EF4-FFF2-40B4-BE49-F238E27FC236}">
+                <a16:creationId xmlns:a16="http://schemas.microsoft.com/office/drawing/2014/main" id="{FA533035-C366-C292-F632-7FC4927B2D53}"/>
               </a:ext>
             </a:extLst>
           </p:cNvPr>
           <p:cNvPicPr>
-            <a:picLocks noChangeAspect="1" noChangeArrowheads="1"/>
+            <a:picLocks noChangeArrowheads="1"/>
           </p:cNvPicPr>
           <p:nvPr/>
         </p:nvPicPr>
         <p:blipFill rotWithShape="1">
-          <a:blip r:embed="rId3">
+          <a:blip r:embed="rId2">
             <a:extLst>
               <a:ext uri="{28A0092B-C50C-407E-A947-70E740481C1C}">
                 <a14:useLocalDpi xmlns:a14="http://schemas.microsoft.com/office/drawing/2010/main" val="0"/>
               </a:ext>
             </a:extLst>
           </a:blip>
-          <a:srcRect b="97033"/>
+          <a:srcRect l="50908" t="4468" r="26029" b="4125"/>
           <a:stretch>
             <a:fillRect/>
           </a:stretch>
         </p:blipFill>
         <p:spPr bwMode="auto">
           <a:xfrm>
-            <a:off x="1625389" y="178540"/>
-            <a:ext cx="8303740" cy="217351"/>
+            <a:off x="5963851" y="2137116"/>
+            <a:ext cx="1856232" cy="1536192"/>
           </a:xfrm>
           <a:prstGeom prst="rect">
             <a:avLst/>
@@ -5997,10 +7019,10 @@
       </p:pic>
       <p:pic>
         <p:nvPicPr>
-          <p:cNvPr id="6148" name="Picture 4" descr="card">
-            <a:extLst>
-              <a:ext uri="{FF2B5EF4-FFF2-40B4-BE49-F238E27FC236}">
-                <a16:creationId xmlns:a16="http://schemas.microsoft.com/office/drawing/2014/main" id="{FA533035-C366-C292-F632-7FC4927B2D53}"/>
+          <p:cNvPr id="8" name="Picture 2">
+            <a:extLst>
+              <a:ext uri="{FF2B5EF4-FFF2-40B4-BE49-F238E27FC236}">
+                <a16:creationId xmlns:a16="http://schemas.microsoft.com/office/drawing/2014/main" id="{7223E0EA-875D-E249-54E4-E684BC024435}"/>
               </a:ext>
             </a:extLst>
           </p:cNvPr>
@@ -6010,22 +7032,22 @@
           <p:nvPr/>
         </p:nvPicPr>
         <p:blipFill rotWithShape="1">
-          <a:blip r:embed="rId2">
+          <a:blip r:embed="rId3">
             <a:extLst>
               <a:ext uri="{28A0092B-C50C-407E-A947-70E740481C1C}">
                 <a14:useLocalDpi xmlns:a14="http://schemas.microsoft.com/office/drawing/2010/main" val="0"/>
               </a:ext>
             </a:extLst>
           </a:blip>
-          <a:srcRect l="50908" t="4468" r="26029" b="4125"/>
+          <a:srcRect t="53582" r="51858" b="25273"/>
           <a:stretch>
             <a:fillRect/>
           </a:stretch>
         </p:blipFill>
         <p:spPr bwMode="auto">
           <a:xfrm>
-            <a:off x="5963851" y="2137116"/>
-            <a:ext cx="1856232" cy="1536192"/>
+            <a:off x="1728260" y="2137116"/>
+            <a:ext cx="3939477" cy="1536192"/>
           </a:xfrm>
           <a:prstGeom prst="rect">
             <a:avLst/>
@@ -6042,53 +7064,201 @@
           </a:extLst>
         </p:spPr>
       </p:pic>
-      <p:pic>
-        <p:nvPicPr>
-          <p:cNvPr id="8" name="Picture 2">
-            <a:extLst>
-              <a:ext uri="{FF2B5EF4-FFF2-40B4-BE49-F238E27FC236}">
-                <a16:creationId xmlns:a16="http://schemas.microsoft.com/office/drawing/2014/main" id="{7223E0EA-875D-E249-54E4-E684BC024435}"/>
-              </a:ext>
-            </a:extLst>
-          </p:cNvPr>
-          <p:cNvPicPr>
-            <a:picLocks noChangeArrowheads="1"/>
-          </p:cNvPicPr>
+      <p:grpSp>
+        <p:nvGrpSpPr>
+          <p:cNvPr id="23" name="Group 22">
+            <a:extLst>
+              <a:ext uri="{FF2B5EF4-FFF2-40B4-BE49-F238E27FC236}">
+                <a16:creationId xmlns:a16="http://schemas.microsoft.com/office/drawing/2014/main" id="{2DEB5CDE-5A14-746F-2ED1-917BCA2F1932}"/>
+              </a:ext>
+            </a:extLst>
+          </p:cNvPr>
+          <p:cNvGrpSpPr/>
           <p:nvPr/>
-        </p:nvPicPr>
-        <p:blipFill rotWithShape="1">
-          <a:blip r:embed="rId3">
-            <a:extLst>
-              <a:ext uri="{28A0092B-C50C-407E-A947-70E740481C1C}">
-                <a14:useLocalDpi xmlns:a14="http://schemas.microsoft.com/office/drawing/2010/main" val="0"/>
-              </a:ext>
-            </a:extLst>
-          </a:blip>
-          <a:srcRect t="53582" r="51858" b="25273"/>
-          <a:stretch>
-            <a:fillRect/>
-          </a:stretch>
-        </p:blipFill>
-        <p:spPr bwMode="auto">
-          <a:xfrm>
-            <a:off x="1728260" y="2137116"/>
-            <a:ext cx="3939477" cy="1536192"/>
-          </a:xfrm>
-          <a:prstGeom prst="rect">
-            <a:avLst/>
-          </a:prstGeom>
-          <a:noFill/>
-          <a:extLst>
-            <a:ext uri="{909E8E84-426E-40DD-AFC4-6F175D3DCCD1}">
-              <a14:hiddenFill xmlns:a14="http://schemas.microsoft.com/office/drawing/2010/main">
-                <a:solidFill>
-                  <a:srgbClr val="FFFFFF"/>
-                </a:solidFill>
-              </a14:hiddenFill>
-            </a:ext>
-          </a:extLst>
-        </p:spPr>
-      </p:pic>
+        </p:nvGrpSpPr>
+        <p:grpSpPr>
+          <a:xfrm>
+            <a:off x="2196006" y="26559"/>
+            <a:ext cx="7849194" cy="375806"/>
+            <a:chOff x="2249715" y="0"/>
+            <a:chExt cx="7849194" cy="375806"/>
+          </a:xfrm>
+        </p:grpSpPr>
+        <p:sp>
+          <p:nvSpPr>
+            <p:cNvPr id="24" name="TextBox 23">
+              <a:extLst>
+                <a:ext uri="{FF2B5EF4-FFF2-40B4-BE49-F238E27FC236}">
+                  <a16:creationId xmlns:a16="http://schemas.microsoft.com/office/drawing/2014/main" id="{96935504-803A-3636-EDC8-BBB4876B7012}"/>
+                </a:ext>
+              </a:extLst>
+            </p:cNvPr>
+            <p:cNvSpPr txBox="1"/>
+            <p:nvPr/>
+          </p:nvSpPr>
+          <p:spPr>
+            <a:xfrm>
+              <a:off x="2249715" y="0"/>
+              <a:ext cx="1161143" cy="369332"/>
+            </a:xfrm>
+            <a:prstGeom prst="rect">
+              <a:avLst/>
+            </a:prstGeom>
+            <a:noFill/>
+          </p:spPr>
+          <p:txBody>
+            <a:bodyPr wrap="square" rtlCol="0">
+              <a:spAutoFit/>
+            </a:bodyPr>
+            <a:lstStyle/>
+            <a:p>
+              <a:r>
+                <a:rPr lang="en-US" dirty="0">
+                  <a:latin typeface="Times New Roman" panose="02020603050405020304" pitchFamily="18" charset="0"/>
+                  <a:cs typeface="Times New Roman" panose="02020603050405020304" pitchFamily="18" charset="0"/>
+                </a:rPr>
+                <a:t>Images</a:t>
+              </a:r>
+            </a:p>
+          </p:txBody>
+        </p:sp>
+        <p:sp>
+          <p:nvSpPr>
+            <p:cNvPr id="25" name="TextBox 24">
+              <a:extLst>
+                <a:ext uri="{FF2B5EF4-FFF2-40B4-BE49-F238E27FC236}">
+                  <a16:creationId xmlns:a16="http://schemas.microsoft.com/office/drawing/2014/main" id="{E86FCB66-1F99-6BE6-9FF2-7921E4F278DE}"/>
+                </a:ext>
+              </a:extLst>
+            </p:cNvPr>
+            <p:cNvSpPr txBox="1"/>
+            <p:nvPr/>
+          </p:nvSpPr>
+          <p:spPr>
+            <a:xfrm>
+              <a:off x="4081460" y="0"/>
+              <a:ext cx="1735712" cy="369332"/>
+            </a:xfrm>
+            <a:prstGeom prst="rect">
+              <a:avLst/>
+            </a:prstGeom>
+            <a:noFill/>
+          </p:spPr>
+          <p:txBody>
+            <a:bodyPr wrap="square" rtlCol="0">
+              <a:spAutoFit/>
+            </a:bodyPr>
+            <a:lstStyle/>
+            <a:p>
+              <a:r>
+                <a:rPr lang="en-US" dirty="0">
+                  <a:latin typeface="Times New Roman" panose="02020603050405020304" pitchFamily="18" charset="0"/>
+                  <a:cs typeface="Times New Roman" panose="02020603050405020304" pitchFamily="18" charset="0"/>
+                </a:rPr>
+                <a:t>Ground Truth</a:t>
+              </a:r>
+            </a:p>
+          </p:txBody>
+        </p:sp>
+        <p:sp>
+          <p:nvSpPr>
+            <p:cNvPr id="26" name="TextBox 25">
+              <a:extLst>
+                <a:ext uri="{FF2B5EF4-FFF2-40B4-BE49-F238E27FC236}">
+                  <a16:creationId xmlns:a16="http://schemas.microsoft.com/office/drawing/2014/main" id="{C2D16101-B5E9-3C1A-F083-F4D5BF8F167F}"/>
+                </a:ext>
+              </a:extLst>
+            </p:cNvPr>
+            <p:cNvSpPr txBox="1"/>
+            <p:nvPr/>
+          </p:nvSpPr>
+          <p:spPr>
+            <a:xfrm>
+              <a:off x="5933243" y="6474"/>
+              <a:ext cx="2394857" cy="369332"/>
+            </a:xfrm>
+            <a:prstGeom prst="rect">
+              <a:avLst/>
+            </a:prstGeom>
+            <a:noFill/>
+          </p:spPr>
+          <p:txBody>
+            <a:bodyPr wrap="square" rtlCol="0">
+              <a:spAutoFit/>
+            </a:bodyPr>
+            <a:lstStyle/>
+            <a:p>
+              <a:r>
+                <a:rPr lang="en-US" dirty="0">
+                  <a:latin typeface="Times New Roman" panose="02020603050405020304" pitchFamily="18" charset="0"/>
+                  <a:cs typeface="Times New Roman" panose="02020603050405020304" pitchFamily="18" charset="0"/>
+                </a:rPr>
+                <a:t>Pseudo-labels of G</a:t>
+              </a:r>
+              <a:r>
+                <a:rPr lang="en-US" baseline="-25000" dirty="0">
+                  <a:latin typeface="Times New Roman" panose="02020603050405020304" pitchFamily="18" charset="0"/>
+                  <a:cs typeface="Times New Roman" panose="02020603050405020304" pitchFamily="18" charset="0"/>
+                </a:rPr>
+                <a:t>1</a:t>
+              </a:r>
+              <a:endParaRPr lang="en-US" dirty="0">
+                <a:latin typeface="Times New Roman" panose="02020603050405020304" pitchFamily="18" charset="0"/>
+                <a:cs typeface="Times New Roman" panose="02020603050405020304" pitchFamily="18" charset="0"/>
+              </a:endParaRPr>
+            </a:p>
+          </p:txBody>
+        </p:sp>
+        <p:sp>
+          <p:nvSpPr>
+            <p:cNvPr id="27" name="TextBox 26">
+              <a:extLst>
+                <a:ext uri="{FF2B5EF4-FFF2-40B4-BE49-F238E27FC236}">
+                  <a16:creationId xmlns:a16="http://schemas.microsoft.com/office/drawing/2014/main" id="{0A914162-09A3-99A9-3647-CE6A5D312D29}"/>
+                </a:ext>
+              </a:extLst>
+            </p:cNvPr>
+            <p:cNvSpPr txBox="1"/>
+            <p:nvPr/>
+          </p:nvSpPr>
+          <p:spPr>
+            <a:xfrm>
+              <a:off x="8053835" y="6474"/>
+              <a:ext cx="2045074" cy="369332"/>
+            </a:xfrm>
+            <a:prstGeom prst="rect">
+              <a:avLst/>
+            </a:prstGeom>
+            <a:noFill/>
+          </p:spPr>
+          <p:txBody>
+            <a:bodyPr wrap="square" rtlCol="0">
+              <a:spAutoFit/>
+            </a:bodyPr>
+            <a:lstStyle/>
+            <a:p>
+              <a:r>
+                <a:rPr lang="en-US" dirty="0">
+                  <a:latin typeface="Times New Roman" panose="02020603050405020304" pitchFamily="18" charset="0"/>
+                  <a:cs typeface="Times New Roman" panose="02020603050405020304" pitchFamily="18" charset="0"/>
+                </a:rPr>
+                <a:t>Pseudo-labels of G</a:t>
+              </a:r>
+              <a:r>
+                <a:rPr lang="en-US" baseline="-25000" dirty="0">
+                  <a:latin typeface="Times New Roman" panose="02020603050405020304" pitchFamily="18" charset="0"/>
+                  <a:cs typeface="Times New Roman" panose="02020603050405020304" pitchFamily="18" charset="0"/>
+                </a:rPr>
+                <a:t>2</a:t>
+              </a:r>
+              <a:endParaRPr lang="en-US" dirty="0">
+                <a:latin typeface="Times New Roman" panose="02020603050405020304" pitchFamily="18" charset="0"/>
+                <a:cs typeface="Times New Roman" panose="02020603050405020304" pitchFamily="18" charset="0"/>
+              </a:endParaRPr>
+            </a:p>
+          </p:txBody>
+        </p:sp>
+      </p:grpSp>
     </p:spTree>
     <p:extLst>
       <p:ext uri="{BB962C8B-B14F-4D97-AF65-F5344CB8AC3E}">
